--- a/diapos/UCPU_16bits.pptx
+++ b/diapos/UCPU_16bits.pptx
@@ -5,24 +5,27 @@
     <p:sldMasterId id="2147483648" r:id="rId2"/>
   </p:sldMasterIdLst>
   <p:notesMasterIdLst>
-    <p:notesMasterId r:id="rId15"/>
+    <p:notesMasterId r:id="rId18"/>
   </p:notesMasterIdLst>
   <p:handoutMasterIdLst>
-    <p:handoutMasterId r:id="rId16"/>
+    <p:handoutMasterId r:id="rId19"/>
   </p:handoutMasterIdLst>
   <p:sldIdLst>
     <p:sldId id="261" r:id="rId3"/>
-    <p:sldId id="271" r:id="rId4"/>
-    <p:sldId id="257" r:id="rId5"/>
-    <p:sldId id="262" r:id="rId6"/>
-    <p:sldId id="263" r:id="rId7"/>
-    <p:sldId id="264" r:id="rId8"/>
-    <p:sldId id="265" r:id="rId9"/>
-    <p:sldId id="266" r:id="rId10"/>
-    <p:sldId id="267" r:id="rId11"/>
-    <p:sldId id="268" r:id="rId12"/>
-    <p:sldId id="269" r:id="rId13"/>
-    <p:sldId id="270" r:id="rId14"/>
+    <p:sldId id="272" r:id="rId4"/>
+    <p:sldId id="271" r:id="rId5"/>
+    <p:sldId id="273" r:id="rId6"/>
+    <p:sldId id="274" r:id="rId7"/>
+    <p:sldId id="257" r:id="rId8"/>
+    <p:sldId id="262" r:id="rId9"/>
+    <p:sldId id="263" r:id="rId10"/>
+    <p:sldId id="264" r:id="rId11"/>
+    <p:sldId id="265" r:id="rId12"/>
+    <p:sldId id="266" r:id="rId13"/>
+    <p:sldId id="267" r:id="rId14"/>
+    <p:sldId id="268" r:id="rId15"/>
+    <p:sldId id="269" r:id="rId16"/>
+    <p:sldId id="270" r:id="rId17"/>
   </p:sldIdLst>
   <p:sldSz cx="12192000" cy="6858000"/>
   <p:notesSz cx="6858000" cy="9144000"/>
@@ -4765,7 +4768,7 @@
                 <a:ea typeface="+mn-ea"/>
                 <a:cs typeface="+mn-cs"/>
               </a:rPr>
-              <a:t>3</a:t>
+              <a:t>6</a:t>
             </a:fld>
             <a:endParaRPr lang="en-US" sz="1200" b="0" i="0">
               <a:latin typeface="Arial"/>
@@ -6784,16 +6787,12 @@
   <p:clrMapOvr>
     <a:masterClrMapping/>
   </p:clrMapOvr>
-  <mc:AlternateContent xmlns:mc="http://schemas.openxmlformats.org/markup-compatibility/2006" xmlns:p14="http://schemas.microsoft.com/office/powerpoint/2010/main">
-    <mc:Choice Requires="p14">
-      <p:transition spd="med" p14:dur="700">
-        <p:fade/>
-      </p:transition>
+  <mc:AlternateContent xmlns:mc="http://schemas.openxmlformats.org/markup-compatibility/2006">
+    <mc:Choice xmlns:p14="http://schemas.microsoft.com/office/powerpoint/2010/main" Requires="p14">
+      <p:transition p14:dur="0"/>
     </mc:Choice>
-    <mc:Fallback xmlns="">
-      <p:transition spd="med">
-        <p:fade/>
-      </p:transition>
+    <mc:Fallback>
+      <p:transition/>
     </mc:Fallback>
   </mc:AlternateContent>
 </p:sldLayout>
@@ -7114,16 +7113,12 @@
   <p:clrMapOvr>
     <a:masterClrMapping/>
   </p:clrMapOvr>
-  <mc:AlternateContent xmlns:mc="http://schemas.openxmlformats.org/markup-compatibility/2006" xmlns:p14="http://schemas.microsoft.com/office/powerpoint/2010/main">
-    <mc:Choice Requires="p14">
-      <p:transition spd="med" p14:dur="700">
-        <p:fade/>
-      </p:transition>
+  <mc:AlternateContent xmlns:mc="http://schemas.openxmlformats.org/markup-compatibility/2006">
+    <mc:Choice xmlns:p14="http://schemas.microsoft.com/office/powerpoint/2010/main" Requires="p14">
+      <p:transition p14:dur="0"/>
     </mc:Choice>
-    <mc:Fallback xmlns="">
-      <p:transition spd="med">
-        <p:fade/>
-      </p:transition>
+    <mc:Fallback>
+      <p:transition/>
     </mc:Fallback>
   </mc:AlternateContent>
   <p:timing>
@@ -7461,16 +7456,12 @@
   <p:clrMapOvr>
     <a:masterClrMapping/>
   </p:clrMapOvr>
-  <mc:AlternateContent xmlns:mc="http://schemas.openxmlformats.org/markup-compatibility/2006" xmlns:p14="http://schemas.microsoft.com/office/powerpoint/2010/main">
-    <mc:Choice Requires="p14">
-      <p:transition spd="med" p14:dur="700">
-        <p:fade/>
-      </p:transition>
+  <mc:AlternateContent xmlns:mc="http://schemas.openxmlformats.org/markup-compatibility/2006">
+    <mc:Choice xmlns:p14="http://schemas.microsoft.com/office/powerpoint/2010/main" Requires="p14">
+      <p:transition p14:dur="0"/>
     </mc:Choice>
-    <mc:Fallback xmlns="">
-      <p:transition spd="med">
-        <p:fade/>
-      </p:transition>
+    <mc:Fallback>
+      <p:transition/>
     </mc:Fallback>
   </mc:AlternateContent>
   <p:timing>
@@ -7510,7 +7501,12 @@
             <p:ph type="title"/>
           </p:nvPr>
         </p:nvSpPr>
-        <p:spPr/>
+        <p:spPr>
+          <a:xfrm>
+            <a:off x="815340" y="347959"/>
+            <a:ext cx="10561320" cy="647363"/>
+          </a:xfrm>
+        </p:spPr>
         <p:txBody>
           <a:bodyPr/>
           <a:lstStyle/>
@@ -7533,7 +7529,12 @@
             <p:ph idx="1"/>
           </p:nvPr>
         </p:nvSpPr>
-        <p:spPr/>
+        <p:spPr>
+          <a:xfrm>
+            <a:off x="815340" y="1278542"/>
+            <a:ext cx="10561320" cy="4504568"/>
+          </a:xfrm>
+        </p:spPr>
         <p:txBody>
           <a:bodyPr/>
           <a:lstStyle/>
@@ -7798,16 +7799,12 @@
   <p:clrMapOvr>
     <a:masterClrMapping/>
   </p:clrMapOvr>
-  <mc:AlternateContent xmlns:mc="http://schemas.openxmlformats.org/markup-compatibility/2006" xmlns:p14="http://schemas.microsoft.com/office/powerpoint/2010/main">
-    <mc:Choice Requires="p14">
-      <p:transition spd="med" p14:dur="700">
-        <p:fade/>
-      </p:transition>
+  <mc:AlternateContent xmlns:mc="http://schemas.openxmlformats.org/markup-compatibility/2006">
+    <mc:Choice xmlns:p14="http://schemas.microsoft.com/office/powerpoint/2010/main" Requires="p14">
+      <p:transition p14:dur="0"/>
     </mc:Choice>
-    <mc:Fallback xmlns="">
-      <p:transition spd="med">
-        <p:fade/>
-      </p:transition>
+    <mc:Fallback>
+      <p:transition/>
     </mc:Fallback>
   </mc:AlternateContent>
   <p:timing>
@@ -9841,18 +9838,21 @@
   <p:clrMapOvr>
     <a:overrideClrMapping bg1="dk1" tx1="lt1" bg2="dk2" tx2="lt2" accent1="accent1" accent2="accent2" accent3="accent3" accent4="accent4" accent5="accent5" accent6="accent6" hlink="hlink" folHlink="folHlink"/>
   </p:clrMapOvr>
-  <mc:AlternateContent xmlns:mc="http://schemas.openxmlformats.org/markup-compatibility/2006" xmlns:p14="http://schemas.microsoft.com/office/powerpoint/2010/main">
-    <mc:Choice Requires="p14">
-      <p:transition spd="med" p14:dur="700">
-        <p:fade/>
-      </p:transition>
+  <mc:AlternateContent xmlns:mc="http://schemas.openxmlformats.org/markup-compatibility/2006">
+    <mc:Choice xmlns:p14="http://schemas.microsoft.com/office/powerpoint/2010/main" Requires="p14">
+      <p:transition p14:dur="0"/>
     </mc:Choice>
-    <mc:Fallback xmlns="">
-      <p:transition spd="med">
-        <p:fade/>
-      </p:transition>
+    <mc:Fallback>
+      <p:transition/>
     </mc:Fallback>
   </mc:AlternateContent>
+  <p:timing>
+    <p:tnLst>
+      <p:par>
+        <p:cTn id="1" dur="indefinite" restart="never" nodeType="tmRoot"/>
+      </p:par>
+    </p:tnLst>
+  </p:timing>
 </p:sldLayout>
 </file>
 
@@ -10293,16 +10293,12 @@
   <p:clrMapOvr>
     <a:masterClrMapping/>
   </p:clrMapOvr>
-  <mc:AlternateContent xmlns:mc="http://schemas.openxmlformats.org/markup-compatibility/2006" xmlns:p14="http://schemas.microsoft.com/office/powerpoint/2010/main">
-    <mc:Choice Requires="p14">
-      <p:transition spd="med" p14:dur="700">
-        <p:fade/>
-      </p:transition>
+  <mc:AlternateContent xmlns:mc="http://schemas.openxmlformats.org/markup-compatibility/2006">
+    <mc:Choice xmlns:p14="http://schemas.microsoft.com/office/powerpoint/2010/main" Requires="p14">
+      <p:transition p14:dur="0"/>
     </mc:Choice>
-    <mc:Fallback xmlns="">
-      <p:transition spd="med">
-        <p:fade/>
-      </p:transition>
+    <mc:Fallback>
+      <p:transition/>
     </mc:Fallback>
   </mc:AlternateContent>
   <p:timing>
@@ -10900,16 +10896,12 @@
   <p:clrMapOvr>
     <a:masterClrMapping/>
   </p:clrMapOvr>
-  <mc:AlternateContent xmlns:mc="http://schemas.openxmlformats.org/markup-compatibility/2006" xmlns:p14="http://schemas.microsoft.com/office/powerpoint/2010/main">
-    <mc:Choice Requires="p14">
-      <p:transition spd="med" p14:dur="700">
-        <p:fade/>
-      </p:transition>
+  <mc:AlternateContent xmlns:mc="http://schemas.openxmlformats.org/markup-compatibility/2006">
+    <mc:Choice xmlns:p14="http://schemas.microsoft.com/office/powerpoint/2010/main" Requires="p14">
+      <p:transition p14:dur="0"/>
     </mc:Choice>
-    <mc:Fallback xmlns="">
-      <p:transition spd="med">
-        <p:fade/>
-      </p:transition>
+    <mc:Fallback>
+      <p:transition/>
     </mc:Fallback>
   </mc:AlternateContent>
   <p:timing>
@@ -11185,16 +11177,12 @@
   <p:clrMapOvr>
     <a:masterClrMapping/>
   </p:clrMapOvr>
-  <mc:AlternateContent xmlns:mc="http://schemas.openxmlformats.org/markup-compatibility/2006" xmlns:p14="http://schemas.microsoft.com/office/powerpoint/2010/main">
-    <mc:Choice Requires="p14">
-      <p:transition spd="med" p14:dur="700">
-        <p:fade/>
-      </p:transition>
+  <mc:AlternateContent xmlns:mc="http://schemas.openxmlformats.org/markup-compatibility/2006">
+    <mc:Choice xmlns:p14="http://schemas.microsoft.com/office/powerpoint/2010/main" Requires="p14">
+      <p:transition p14:dur="0"/>
     </mc:Choice>
-    <mc:Fallback xmlns="">
-      <p:transition spd="med">
-        <p:fade/>
-      </p:transition>
+    <mc:Fallback>
+      <p:transition/>
     </mc:Fallback>
   </mc:AlternateContent>
   <p:timing>
@@ -13271,16 +13259,12 @@
   <p:clrMapOvr>
     <a:masterClrMapping/>
   </p:clrMapOvr>
-  <mc:AlternateContent xmlns:mc="http://schemas.openxmlformats.org/markup-compatibility/2006" xmlns:p14="http://schemas.microsoft.com/office/powerpoint/2010/main">
-    <mc:Choice Requires="p14">
-      <p:transition spd="med" p14:dur="700">
-        <p:fade/>
-      </p:transition>
+  <mc:AlternateContent xmlns:mc="http://schemas.openxmlformats.org/markup-compatibility/2006">
+    <mc:Choice xmlns:p14="http://schemas.microsoft.com/office/powerpoint/2010/main" Requires="p14">
+      <p:transition p14:dur="0"/>
     </mc:Choice>
-    <mc:Fallback xmlns="">
-      <p:transition spd="med">
-        <p:fade/>
-      </p:transition>
+    <mc:Fallback>
+      <p:transition/>
     </mc:Fallback>
   </mc:AlternateContent>
   <p:timing>
@@ -15673,16 +15657,12 @@
   <p:clrMapOvr>
     <a:masterClrMapping/>
   </p:clrMapOvr>
-  <mc:AlternateContent xmlns:mc="http://schemas.openxmlformats.org/markup-compatibility/2006" xmlns:p14="http://schemas.microsoft.com/office/powerpoint/2010/main">
-    <mc:Choice Requires="p14">
-      <p:transition spd="med" p14:dur="700">
-        <p:fade/>
-      </p:transition>
+  <mc:AlternateContent xmlns:mc="http://schemas.openxmlformats.org/markup-compatibility/2006">
+    <mc:Choice xmlns:p14="http://schemas.microsoft.com/office/powerpoint/2010/main" Requires="p14">
+      <p:transition p14:dur="0"/>
     </mc:Choice>
-    <mc:Fallback xmlns="">
-      <p:transition spd="med">
-        <p:fade/>
-      </p:transition>
+    <mc:Fallback>
+      <p:transition/>
     </mc:Fallback>
   </mc:AlternateContent>
   <p:timing>
@@ -18006,16 +17986,12 @@
   <p:clrMapOvr>
     <a:masterClrMapping/>
   </p:clrMapOvr>
-  <mc:AlternateContent xmlns:mc="http://schemas.openxmlformats.org/markup-compatibility/2006" xmlns:p14="http://schemas.microsoft.com/office/powerpoint/2010/main">
-    <mc:Choice Requires="p14">
-      <p:transition spd="med" p14:dur="700">
-        <p:fade/>
-      </p:transition>
+  <mc:AlternateContent xmlns:mc="http://schemas.openxmlformats.org/markup-compatibility/2006">
+    <mc:Choice xmlns:p14="http://schemas.microsoft.com/office/powerpoint/2010/main" Requires="p14">
+      <p:transition p14:dur="0"/>
     </mc:Choice>
-    <mc:Fallback xmlns="">
-      <p:transition spd="med">
-        <p:fade/>
-      </p:transition>
+    <mc:Fallback>
+      <p:transition/>
     </mc:Fallback>
   </mc:AlternateContent>
   <p:timing>
@@ -20167,18 +20143,21 @@
     <p:sldLayoutId id="2147483658" r:id="rId10"/>
     <p:sldLayoutId id="2147483659" r:id="rId11"/>
   </p:sldLayoutIdLst>
-  <mc:AlternateContent xmlns:mc="http://schemas.openxmlformats.org/markup-compatibility/2006" xmlns:p14="http://schemas.microsoft.com/office/powerpoint/2010/main">
-    <mc:Choice Requires="p14">
-      <p:transition spd="med" p14:dur="700">
-        <p:fade/>
-      </p:transition>
+  <mc:AlternateContent xmlns:mc="http://schemas.openxmlformats.org/markup-compatibility/2006">
+    <mc:Choice xmlns:p14="http://schemas.microsoft.com/office/powerpoint/2010/main" Requires="p14">
+      <p:transition p14:dur="0"/>
     </mc:Choice>
-    <mc:Fallback xmlns="">
-      <p:transition spd="med">
-        <p:fade/>
-      </p:transition>
+    <mc:Fallback>
+      <p:transition/>
     </mc:Fallback>
   </mc:AlternateContent>
+  <p:timing>
+    <p:tnLst>
+      <p:par>
+        <p:cTn id="1" dur="indefinite" restart="never" nodeType="tmRoot"/>
+      </p:par>
+    </p:tnLst>
+  </p:timing>
   <p:hf hdr="0" dt="0"/>
   <p:txStyles>
     <p:titleStyle>
@@ -20582,6 +20561,36 @@
           </a:p>
         </p:txBody>
       </p:sp>
+      <p:pic>
+        <p:nvPicPr>
+          <p:cNvPr id="4" name="Image 3"/>
+          <p:cNvPicPr>
+            <a:picLocks noChangeAspect="1"/>
+          </p:cNvPicPr>
+          <p:nvPr/>
+        </p:nvPicPr>
+        <p:blipFill>
+          <a:blip r:embed="rId2" cstate="print">
+            <a:extLst>
+              <a:ext uri="{28A0092B-C50C-407E-A947-70E740481C1C}">
+                <a14:useLocalDpi xmlns:a14="http://schemas.microsoft.com/office/drawing/2010/main" val="0"/>
+              </a:ext>
+            </a:extLst>
+          </a:blip>
+          <a:stretch>
+            <a:fillRect/>
+          </a:stretch>
+        </p:blipFill>
+        <p:spPr>
+          <a:xfrm>
+            <a:off x="10247519" y="410383"/>
+            <a:ext cx="1517298" cy="953053"/>
+          </a:xfrm>
+          <a:prstGeom prst="rect">
+            <a:avLst/>
+          </a:prstGeom>
+        </p:spPr>
+      </p:pic>
     </p:spTree>
     <p:extLst>
       <p:ext uri="{BB962C8B-B14F-4D97-AF65-F5344CB8AC3E}">
@@ -20611,6 +20620,395 @@
 </file>
 
 <file path=ppt/slides/slide10.xml><?xml version="1.0" encoding="utf-8"?>
+<p:sld xmlns:a="http://schemas.openxmlformats.org/drawingml/2006/main" xmlns:r="http://schemas.openxmlformats.org/officeDocument/2006/relationships" xmlns:p="http://schemas.openxmlformats.org/presentationml/2006/main">
+  <p:cSld>
+    <p:spTree>
+      <p:nvGrpSpPr>
+        <p:cNvPr id="1" name=""/>
+        <p:cNvGrpSpPr/>
+        <p:nvPr/>
+      </p:nvGrpSpPr>
+      <p:grpSpPr>
+        <a:xfrm>
+          <a:off x="0" y="0"/>
+          <a:ext cx="0" cy="0"/>
+          <a:chOff x="0" y="0"/>
+          <a:chExt cx="0" cy="0"/>
+        </a:xfrm>
+      </p:grpSpPr>
+      <p:sp>
+        <p:nvSpPr>
+          <p:cNvPr id="2" name="Titre 1"/>
+          <p:cNvSpPr>
+            <a:spLocks noGrp="1"/>
+          </p:cNvSpPr>
+          <p:nvPr>
+            <p:ph type="title"/>
+          </p:nvPr>
+        </p:nvSpPr>
+        <p:spPr/>
+        <p:txBody>
+          <a:bodyPr/>
+          <a:lstStyle/>
+          <a:p>
+            <a:endParaRPr lang="en-US" dirty="0"/>
+          </a:p>
+        </p:txBody>
+      </p:sp>
+      <p:sp>
+        <p:nvSpPr>
+          <p:cNvPr id="3" name="Espace réservé du texte 2"/>
+          <p:cNvSpPr>
+            <a:spLocks noGrp="1"/>
+          </p:cNvSpPr>
+          <p:nvPr>
+            <p:ph type="body" idx="1"/>
+          </p:nvPr>
+        </p:nvSpPr>
+        <p:spPr/>
+        <p:txBody>
+          <a:bodyPr/>
+          <a:lstStyle/>
+          <a:p>
+            <a:endParaRPr lang="en-US"/>
+          </a:p>
+        </p:txBody>
+      </p:sp>
+    </p:spTree>
+    <p:extLst>
+      <p:ext uri="{BB962C8B-B14F-4D97-AF65-F5344CB8AC3E}">
+        <p14:creationId xmlns:p14="http://schemas.microsoft.com/office/powerpoint/2010/main" val="2362296366"/>
+      </p:ext>
+    </p:extLst>
+  </p:cSld>
+  <p:clrMapOvr>
+    <a:masterClrMapping/>
+  </p:clrMapOvr>
+  <mc:AlternateContent xmlns:mc="http://schemas.openxmlformats.org/markup-compatibility/2006">
+    <mc:Choice xmlns:p14="http://schemas.microsoft.com/office/powerpoint/2010/main" Requires="p14">
+      <p:transition p14:dur="0"/>
+    </mc:Choice>
+    <mc:Fallback>
+      <p:transition/>
+    </mc:Fallback>
+  </mc:AlternateContent>
+  <p:timing>
+    <p:tnLst>
+      <p:par>
+        <p:cTn id="1" dur="indefinite" restart="never" nodeType="tmRoot"/>
+      </p:par>
+    </p:tnLst>
+  </p:timing>
+</p:sld>
+</file>
+
+<file path=ppt/slides/slide11.xml><?xml version="1.0" encoding="utf-8"?>
+<p:sld xmlns:a="http://schemas.openxmlformats.org/drawingml/2006/main" xmlns:r="http://schemas.openxmlformats.org/officeDocument/2006/relationships" xmlns:p="http://schemas.openxmlformats.org/presentationml/2006/main">
+  <p:cSld>
+    <p:spTree>
+      <p:nvGrpSpPr>
+        <p:cNvPr id="1" name=""/>
+        <p:cNvGrpSpPr/>
+        <p:nvPr/>
+      </p:nvGrpSpPr>
+      <p:grpSpPr>
+        <a:xfrm>
+          <a:off x="0" y="0"/>
+          <a:ext cx="0" cy="0"/>
+          <a:chOff x="0" y="0"/>
+          <a:chExt cx="0" cy="0"/>
+        </a:xfrm>
+      </p:grpSpPr>
+      <p:sp>
+        <p:nvSpPr>
+          <p:cNvPr id="2" name="Titre 1"/>
+          <p:cNvSpPr>
+            <a:spLocks noGrp="1"/>
+          </p:cNvSpPr>
+          <p:nvPr>
+            <p:ph type="title"/>
+          </p:nvPr>
+        </p:nvSpPr>
+        <p:spPr/>
+        <p:txBody>
+          <a:bodyPr/>
+          <a:lstStyle/>
+          <a:p>
+            <a:endParaRPr lang="en-US"/>
+          </a:p>
+        </p:txBody>
+      </p:sp>
+      <p:sp>
+        <p:nvSpPr>
+          <p:cNvPr id="3" name="Espace réservé du texte 2"/>
+          <p:cNvSpPr>
+            <a:spLocks noGrp="1"/>
+          </p:cNvSpPr>
+          <p:nvPr>
+            <p:ph type="body" idx="1"/>
+          </p:nvPr>
+        </p:nvSpPr>
+        <p:spPr/>
+        <p:txBody>
+          <a:bodyPr/>
+          <a:lstStyle/>
+          <a:p>
+            <a:endParaRPr lang="en-US"/>
+          </a:p>
+        </p:txBody>
+      </p:sp>
+      <p:sp>
+        <p:nvSpPr>
+          <p:cNvPr id="4" name="Espace réservé de contenu 3"/>
+          <p:cNvSpPr>
+            <a:spLocks noGrp="1"/>
+          </p:cNvSpPr>
+          <p:nvPr>
+            <p:ph sz="half" idx="2"/>
+          </p:nvPr>
+        </p:nvSpPr>
+        <p:spPr/>
+        <p:txBody>
+          <a:bodyPr/>
+          <a:lstStyle/>
+          <a:p>
+            <a:endParaRPr lang="en-US"/>
+          </a:p>
+        </p:txBody>
+      </p:sp>
+      <p:sp>
+        <p:nvSpPr>
+          <p:cNvPr id="5" name="Espace réservé du texte 4"/>
+          <p:cNvSpPr>
+            <a:spLocks noGrp="1"/>
+          </p:cNvSpPr>
+          <p:nvPr>
+            <p:ph type="body" sz="quarter" idx="3"/>
+          </p:nvPr>
+        </p:nvSpPr>
+        <p:spPr/>
+        <p:txBody>
+          <a:bodyPr/>
+          <a:lstStyle/>
+          <a:p>
+            <a:endParaRPr lang="en-US"/>
+          </a:p>
+        </p:txBody>
+      </p:sp>
+      <p:sp>
+        <p:nvSpPr>
+          <p:cNvPr id="6" name="Espace réservé de contenu 5"/>
+          <p:cNvSpPr>
+            <a:spLocks noGrp="1"/>
+          </p:cNvSpPr>
+          <p:nvPr>
+            <p:ph sz="quarter" idx="4"/>
+          </p:nvPr>
+        </p:nvSpPr>
+        <p:spPr/>
+        <p:txBody>
+          <a:bodyPr/>
+          <a:lstStyle/>
+          <a:p>
+            <a:endParaRPr lang="en-US"/>
+          </a:p>
+        </p:txBody>
+      </p:sp>
+      <p:sp>
+        <p:nvSpPr>
+          <p:cNvPr id="7" name="Espace réservé du pied de page 6"/>
+          <p:cNvSpPr>
+            <a:spLocks noGrp="1"/>
+          </p:cNvSpPr>
+          <p:nvPr>
+            <p:ph type="ftr" sz="quarter" idx="11"/>
+          </p:nvPr>
+        </p:nvSpPr>
+        <p:spPr>
+          <a:xfrm>
+            <a:off x="609602" y="6289679"/>
+            <a:ext cx="6128031" cy="222436"/>
+          </a:xfrm>
+        </p:spPr>
+        <p:txBody>
+          <a:bodyPr/>
+          <a:lstStyle/>
+          <a:p>
+            <a:r>
+              <a:rPr lang="en-US" smtClean="0"/>
+              <a:t>DESPORTES Louis &amp; MONOT Vincent</a:t>
+            </a:r>
+            <a:endParaRPr lang="en-US"/>
+          </a:p>
+        </p:txBody>
+      </p:sp>
+      <p:sp>
+        <p:nvSpPr>
+          <p:cNvPr id="8" name="Espace réservé du numéro de diapositive 7"/>
+          <p:cNvSpPr>
+            <a:spLocks noGrp="1"/>
+          </p:cNvSpPr>
+          <p:nvPr>
+            <p:ph type="sldNum" sz="quarter" idx="12"/>
+          </p:nvPr>
+        </p:nvSpPr>
+        <p:spPr/>
+        <p:txBody>
+          <a:bodyPr/>
+          <a:lstStyle/>
+          <a:p>
+            <a:fld id="{E31375A4-56A4-47D6-9801-1991572033F7}" type="slidenum">
+              <a:rPr lang="en-US" smtClean="0"/>
+              <a:t>11</a:t>
+            </a:fld>
+            <a:endParaRPr lang="en-US"/>
+          </a:p>
+        </p:txBody>
+      </p:sp>
+    </p:spTree>
+    <p:extLst>
+      <p:ext uri="{BB962C8B-B14F-4D97-AF65-F5344CB8AC3E}">
+        <p14:creationId xmlns:p14="http://schemas.microsoft.com/office/powerpoint/2010/main" val="3229171051"/>
+      </p:ext>
+    </p:extLst>
+  </p:cSld>
+  <p:clrMapOvr>
+    <a:masterClrMapping/>
+  </p:clrMapOvr>
+  <mc:AlternateContent xmlns:mc="http://schemas.openxmlformats.org/markup-compatibility/2006">
+    <mc:Choice xmlns:p14="http://schemas.microsoft.com/office/powerpoint/2010/main" Requires="p14">
+      <p:transition p14:dur="0"/>
+    </mc:Choice>
+    <mc:Fallback>
+      <p:transition/>
+    </mc:Fallback>
+  </mc:AlternateContent>
+  <p:timing>
+    <p:tnLst>
+      <p:par>
+        <p:cTn id="1" dur="indefinite" restart="never" nodeType="tmRoot"/>
+      </p:par>
+    </p:tnLst>
+  </p:timing>
+</p:sld>
+</file>
+
+<file path=ppt/slides/slide12.xml><?xml version="1.0" encoding="utf-8"?>
+<p:sld xmlns:a="http://schemas.openxmlformats.org/drawingml/2006/main" xmlns:r="http://schemas.openxmlformats.org/officeDocument/2006/relationships" xmlns:p="http://schemas.openxmlformats.org/presentationml/2006/main">
+  <p:cSld>
+    <p:spTree>
+      <p:nvGrpSpPr>
+        <p:cNvPr id="1" name=""/>
+        <p:cNvGrpSpPr/>
+        <p:nvPr/>
+      </p:nvGrpSpPr>
+      <p:grpSpPr>
+        <a:xfrm>
+          <a:off x="0" y="0"/>
+          <a:ext cx="0" cy="0"/>
+          <a:chOff x="0" y="0"/>
+          <a:chExt cx="0" cy="0"/>
+        </a:xfrm>
+      </p:grpSpPr>
+      <p:sp>
+        <p:nvSpPr>
+          <p:cNvPr id="2" name="Titre 1"/>
+          <p:cNvSpPr>
+            <a:spLocks noGrp="1"/>
+          </p:cNvSpPr>
+          <p:nvPr>
+            <p:ph type="title"/>
+          </p:nvPr>
+        </p:nvSpPr>
+        <p:spPr/>
+        <p:txBody>
+          <a:bodyPr/>
+          <a:lstStyle/>
+          <a:p>
+            <a:endParaRPr lang="en-US"/>
+          </a:p>
+        </p:txBody>
+      </p:sp>
+      <p:sp>
+        <p:nvSpPr>
+          <p:cNvPr id="3" name="Espace réservé du pied de page 2"/>
+          <p:cNvSpPr>
+            <a:spLocks noGrp="1"/>
+          </p:cNvSpPr>
+          <p:nvPr>
+            <p:ph type="ftr" sz="quarter" idx="11"/>
+          </p:nvPr>
+        </p:nvSpPr>
+        <p:spPr>
+          <a:xfrm>
+            <a:off x="609602" y="6289679"/>
+            <a:ext cx="6128031" cy="222436"/>
+          </a:xfrm>
+        </p:spPr>
+        <p:txBody>
+          <a:bodyPr/>
+          <a:lstStyle/>
+          <a:p>
+            <a:r>
+              <a:rPr lang="en-US" smtClean="0"/>
+              <a:t>DESPORTES Louis &amp; MONOT Vincent</a:t>
+            </a:r>
+            <a:endParaRPr lang="en-US"/>
+          </a:p>
+        </p:txBody>
+      </p:sp>
+      <p:sp>
+        <p:nvSpPr>
+          <p:cNvPr id="4" name="Espace réservé du numéro de diapositive 3"/>
+          <p:cNvSpPr>
+            <a:spLocks noGrp="1"/>
+          </p:cNvSpPr>
+          <p:nvPr>
+            <p:ph type="sldNum" sz="quarter" idx="12"/>
+          </p:nvPr>
+        </p:nvSpPr>
+        <p:spPr/>
+        <p:txBody>
+          <a:bodyPr/>
+          <a:lstStyle/>
+          <a:p>
+            <a:fld id="{E31375A4-56A4-47D6-9801-1991572033F7}" type="slidenum">
+              <a:rPr lang="en-US" smtClean="0"/>
+              <a:t>12</a:t>
+            </a:fld>
+            <a:endParaRPr lang="en-US"/>
+          </a:p>
+        </p:txBody>
+      </p:sp>
+    </p:spTree>
+    <p:extLst>
+      <p:ext uri="{BB962C8B-B14F-4D97-AF65-F5344CB8AC3E}">
+        <p14:creationId xmlns:p14="http://schemas.microsoft.com/office/powerpoint/2010/main" val="452733939"/>
+      </p:ext>
+    </p:extLst>
+  </p:cSld>
+  <p:clrMapOvr>
+    <a:masterClrMapping/>
+  </p:clrMapOvr>
+  <mc:AlternateContent xmlns:mc="http://schemas.openxmlformats.org/markup-compatibility/2006">
+    <mc:Choice xmlns:p14="http://schemas.microsoft.com/office/powerpoint/2010/main" Requires="p14">
+      <p:transition p14:dur="0"/>
+    </mc:Choice>
+    <mc:Fallback>
+      <p:transition/>
+    </mc:Fallback>
+  </mc:AlternateContent>
+  <p:timing>
+    <p:tnLst>
+      <p:par>
+        <p:cTn id="1" dur="indefinite" restart="never" nodeType="tmRoot"/>
+      </p:par>
+    </p:tnLst>
+  </p:timing>
+</p:sld>
+</file>
+
+<file path=ppt/slides/slide13.xml><?xml version="1.0" encoding="utf-8"?>
 <p:sld xmlns:a="http://schemas.openxmlformats.org/drawingml/2006/main" xmlns:r="http://schemas.openxmlformats.org/officeDocument/2006/relationships" xmlns:p="http://schemas.openxmlformats.org/presentationml/2006/main">
   <p:cSld>
     <p:spTree>
@@ -20673,7 +21071,7 @@
             <a:fld id="{E31375A4-56A4-47D6-9801-1991572033F7}" type="slidenum">
               <a:rPr lang="en-US" smtClean="0"/>
               <a:pPr/>
-              <a:t>10</a:t>
+              <a:t>13</a:t>
             </a:fld>
             <a:endParaRPr lang="en-US"/>
           </a:p>
@@ -20707,7 +21105,7 @@
 </p:sld>
 </file>
 
-<file path=ppt/slides/slide11.xml><?xml version="1.0" encoding="utf-8"?>
+<file path=ppt/slides/slide14.xml><?xml version="1.0" encoding="utf-8"?>
 <p:sld xmlns:a="http://schemas.openxmlformats.org/drawingml/2006/main" xmlns:r="http://schemas.openxmlformats.org/officeDocument/2006/relationships" xmlns:p="http://schemas.openxmlformats.org/presentationml/2006/main">
   <p:cSld>
     <p:spTree>
@@ -20827,7 +21225,7 @@
             <a:fld id="{E31375A4-56A4-47D6-9801-1991572033F7}" type="slidenum">
               <a:rPr lang="en-US" smtClean="0"/>
               <a:pPr/>
-              <a:t>11</a:t>
+              <a:t>14</a:t>
             </a:fld>
             <a:endParaRPr lang="en-US"/>
           </a:p>
@@ -20861,7 +21259,7 @@
 </p:sld>
 </file>
 
-<file path=ppt/slides/slide12.xml><?xml version="1.0" encoding="utf-8"?>
+<file path=ppt/slides/slide15.xml><?xml version="1.0" encoding="utf-8"?>
 <p:sld xmlns:a="http://schemas.openxmlformats.org/drawingml/2006/main" xmlns:r="http://schemas.openxmlformats.org/officeDocument/2006/relationships" xmlns:p="http://schemas.openxmlformats.org/presentationml/2006/main">
   <p:cSld>
     <p:spTree>
@@ -20985,10 +21383,1661 @@
         </p:nvSpPr>
         <p:spPr/>
         <p:txBody>
+          <a:bodyPr>
+            <a:normAutofit/>
+          </a:bodyPr>
+          <a:lstStyle/>
+          <a:p>
+            <a:r>
+              <a:rPr lang="fr-FR" dirty="0" smtClean="0"/>
+              <a:t>Opérations disponibles</a:t>
+            </a:r>
+            <a:endParaRPr lang="fr-FR" dirty="0"/>
+          </a:p>
+        </p:txBody>
+      </p:sp>
+      <p:sp>
+        <p:nvSpPr>
+          <p:cNvPr id="4" name="Espace réservé du pied de page 3"/>
+          <p:cNvSpPr>
+            <a:spLocks noGrp="1"/>
+          </p:cNvSpPr>
+          <p:nvPr>
+            <p:ph type="ftr" sz="quarter" idx="11"/>
+          </p:nvPr>
+        </p:nvSpPr>
+        <p:spPr/>
+        <p:txBody>
           <a:bodyPr/>
           <a:lstStyle/>
           <a:p>
+            <a:r>
+              <a:rPr lang="en-US" smtClean="0"/>
+              <a:t>DESPORTES Louis &amp; MONOT Vincent</a:t>
+            </a:r>
+            <a:endParaRPr lang="en-US" dirty="0"/>
+          </a:p>
+        </p:txBody>
+      </p:sp>
+      <p:sp>
+        <p:nvSpPr>
+          <p:cNvPr id="5" name="Espace réservé du numéro de diapositive 4"/>
+          <p:cNvSpPr>
+            <a:spLocks noGrp="1"/>
+          </p:cNvSpPr>
+          <p:nvPr>
+            <p:ph type="sldNum" sz="quarter" idx="12"/>
+          </p:nvPr>
+        </p:nvSpPr>
+        <p:spPr/>
+        <p:txBody>
+          <a:bodyPr/>
+          <a:lstStyle/>
+          <a:p>
+            <a:fld id="{E31375A4-56A4-47D6-9801-1991572033F7}" type="slidenum">
+              <a:rPr lang="en-US" smtClean="0"/>
+              <a:t>2</a:t>
+            </a:fld>
+            <a:endParaRPr lang="en-US"/>
+          </a:p>
+        </p:txBody>
+      </p:sp>
+      <p:sp>
+        <p:nvSpPr>
+          <p:cNvPr id="23" name="Espace réservé du contenu 22"/>
+          <p:cNvSpPr>
+            <a:spLocks noGrp="1"/>
+          </p:cNvSpPr>
+          <p:nvPr>
+            <p:ph idx="1"/>
+          </p:nvPr>
+        </p:nvSpPr>
+        <p:spPr/>
+        <p:txBody>
+          <a:bodyPr/>
+          <a:lstStyle/>
+          <a:p>
+            <a:r>
+              <a:rPr lang="fr-FR" dirty="0" smtClean="0"/>
+              <a:t>Move			0000</a:t>
+            </a:r>
+            <a:endParaRPr lang="fr-FR" dirty="0"/>
+          </a:p>
+          <a:p>
+            <a:r>
+              <a:rPr lang="fr-FR" dirty="0"/>
+              <a:t>Move </a:t>
+            </a:r>
+            <a:r>
+              <a:rPr lang="fr-FR" dirty="0" err="1" smtClean="0"/>
+              <a:t>Immediate</a:t>
+            </a:r>
+            <a:r>
+              <a:rPr lang="fr-FR" dirty="0" smtClean="0"/>
+              <a:t>	0001</a:t>
+            </a:r>
+            <a:endParaRPr lang="fr-FR" dirty="0"/>
+          </a:p>
+          <a:p>
+            <a:r>
+              <a:rPr lang="fr-FR" dirty="0" smtClean="0"/>
+              <a:t>Addition		1000</a:t>
+            </a:r>
+            <a:endParaRPr lang="fr-FR" dirty="0"/>
+          </a:p>
+          <a:p>
+            <a:r>
+              <a:rPr lang="fr-FR" dirty="0" smtClean="0"/>
+              <a:t>Soustraction		1001</a:t>
+            </a:r>
+            <a:endParaRPr lang="fr-FR" dirty="0"/>
+          </a:p>
+          <a:p>
+            <a:r>
+              <a:rPr lang="fr-FR" dirty="0" smtClean="0"/>
+              <a:t>Multiplication		1010</a:t>
+            </a:r>
+            <a:endParaRPr lang="fr-FR" dirty="0"/>
+          </a:p>
+          <a:p>
+            <a:r>
+              <a:rPr lang="fr-FR" dirty="0" smtClean="0"/>
+              <a:t>AND			1100</a:t>
+            </a:r>
+            <a:endParaRPr lang="fr-FR" dirty="0"/>
+          </a:p>
+          <a:p>
+            <a:r>
+              <a:rPr lang="fr-FR" dirty="0" smtClean="0"/>
+              <a:t>OR			1101</a:t>
+            </a:r>
+            <a:endParaRPr lang="fr-FR" dirty="0"/>
+          </a:p>
+          <a:p>
+            <a:r>
+              <a:rPr lang="fr-FR" dirty="0" smtClean="0"/>
+              <a:t>NOT			1110</a:t>
+            </a:r>
+            <a:endParaRPr lang="fr-FR" dirty="0"/>
+          </a:p>
+          <a:p>
+            <a:r>
+              <a:rPr lang="fr-FR" dirty="0" smtClean="0"/>
+              <a:t>XOR			1111</a:t>
+            </a:r>
+            <a:endParaRPr lang="fr-FR" dirty="0"/>
+          </a:p>
+        </p:txBody>
+      </p:sp>
+    </p:spTree>
+    <p:extLst>
+      <p:ext uri="{BB962C8B-B14F-4D97-AF65-F5344CB8AC3E}">
+        <p14:creationId xmlns:p14="http://schemas.microsoft.com/office/powerpoint/2010/main" val="309757061"/>
+      </p:ext>
+    </p:extLst>
+  </p:cSld>
+  <p:clrMapOvr>
+    <a:masterClrMapping/>
+  </p:clrMapOvr>
+  <mc:AlternateContent xmlns:mc="http://schemas.openxmlformats.org/markup-compatibility/2006">
+    <mc:Choice xmlns:p14="http://schemas.microsoft.com/office/powerpoint/2010/main" Requires="p14">
+      <p:transition p14:dur="0"/>
+    </mc:Choice>
+    <mc:Fallback>
+      <p:transition/>
+    </mc:Fallback>
+  </mc:AlternateContent>
+  <p:timing>
+    <p:tnLst>
+      <p:par>
+        <p:cTn id="1" dur="indefinite" restart="never" nodeType="tmRoot"/>
+      </p:par>
+    </p:tnLst>
+  </p:timing>
+</p:sld>
+</file>
+
+<file path=ppt/slides/slide3.xml><?xml version="1.0" encoding="utf-8"?>
+<p:sld xmlns:a="http://schemas.openxmlformats.org/drawingml/2006/main" xmlns:r="http://schemas.openxmlformats.org/officeDocument/2006/relationships" xmlns:p="http://schemas.openxmlformats.org/presentationml/2006/main">
+  <p:cSld>
+    <p:spTree>
+      <p:nvGrpSpPr>
+        <p:cNvPr id="1" name=""/>
+        <p:cNvGrpSpPr/>
+        <p:nvPr/>
+      </p:nvGrpSpPr>
+      <p:grpSpPr>
+        <a:xfrm>
+          <a:off x="0" y="0"/>
+          <a:ext cx="0" cy="0"/>
+          <a:chOff x="0" y="0"/>
+          <a:chExt cx="0" cy="0"/>
+        </a:xfrm>
+      </p:grpSpPr>
+      <p:sp>
+        <p:nvSpPr>
+          <p:cNvPr id="2" name="Titre 1"/>
+          <p:cNvSpPr>
+            <a:spLocks noGrp="1"/>
+          </p:cNvSpPr>
+          <p:nvPr>
+            <p:ph type="title"/>
+          </p:nvPr>
+        </p:nvSpPr>
+        <p:spPr/>
+        <p:txBody>
+          <a:bodyPr/>
+          <a:lstStyle/>
+          <a:p>
+            <a:r>
+              <a:rPr lang="fr-FR" dirty="0" smtClean="0"/>
+              <a:t>Avantages de notre CPU</a:t>
+            </a:r>
+            <a:endParaRPr lang="fr-FR" dirty="0"/>
+          </a:p>
+        </p:txBody>
+      </p:sp>
+      <p:sp>
+        <p:nvSpPr>
+          <p:cNvPr id="3" name="Espace réservé du contenu 2"/>
+          <p:cNvSpPr>
+            <a:spLocks noGrp="1"/>
+          </p:cNvSpPr>
+          <p:nvPr>
+            <p:ph idx="1"/>
+          </p:nvPr>
+        </p:nvSpPr>
+        <p:spPr/>
+        <p:txBody>
+          <a:bodyPr/>
+          <a:lstStyle/>
+          <a:p>
+            <a:r>
+              <a:rPr lang="fr-FR" dirty="0" smtClean="0"/>
+              <a:t>Seulement 2 cycles d’horloge pour les opérations de l’ALU</a:t>
+            </a:r>
+            <a:endParaRPr lang="fr-FR" dirty="0"/>
+          </a:p>
+        </p:txBody>
+      </p:sp>
+      <p:sp>
+        <p:nvSpPr>
+          <p:cNvPr id="4" name="Espace réservé du pied de page 3"/>
+          <p:cNvSpPr>
+            <a:spLocks noGrp="1"/>
+          </p:cNvSpPr>
+          <p:nvPr>
+            <p:ph type="ftr" sz="quarter" idx="11"/>
+          </p:nvPr>
+        </p:nvSpPr>
+        <p:spPr/>
+        <p:txBody>
+          <a:bodyPr/>
+          <a:lstStyle/>
+          <a:p>
+            <a:r>
+              <a:rPr lang="en-US" smtClean="0"/>
+              <a:t>DESPORTES Louis &amp; MONOT Vincent</a:t>
+            </a:r>
+            <a:endParaRPr lang="en-US" dirty="0"/>
+          </a:p>
+        </p:txBody>
+      </p:sp>
+      <p:sp>
+        <p:nvSpPr>
+          <p:cNvPr id="5" name="Espace réservé du numéro de diapositive 4"/>
+          <p:cNvSpPr>
+            <a:spLocks noGrp="1"/>
+          </p:cNvSpPr>
+          <p:nvPr>
+            <p:ph type="sldNum" sz="quarter" idx="12"/>
+          </p:nvPr>
+        </p:nvSpPr>
+        <p:spPr/>
+        <p:txBody>
+          <a:bodyPr/>
+          <a:lstStyle/>
+          <a:p>
+            <a:fld id="{E31375A4-56A4-47D6-9801-1991572033F7}" type="slidenum">
+              <a:rPr lang="en-US" smtClean="0"/>
+              <a:t>3</a:t>
+            </a:fld>
+            <a:endParaRPr lang="en-US"/>
+          </a:p>
+        </p:txBody>
+      </p:sp>
+    </p:spTree>
+    <p:extLst>
+      <p:ext uri="{BB962C8B-B14F-4D97-AF65-F5344CB8AC3E}">
+        <p14:creationId xmlns:p14="http://schemas.microsoft.com/office/powerpoint/2010/main" val="206408408"/>
+      </p:ext>
+    </p:extLst>
+  </p:cSld>
+  <p:clrMapOvr>
+    <a:masterClrMapping/>
+  </p:clrMapOvr>
+  <mc:AlternateContent xmlns:mc="http://schemas.openxmlformats.org/markup-compatibility/2006">
+    <mc:Choice xmlns:p14="http://schemas.microsoft.com/office/powerpoint/2010/main" Requires="p14">
+      <p:transition p14:dur="0"/>
+    </mc:Choice>
+    <mc:Fallback>
+      <p:transition/>
+    </mc:Fallback>
+  </mc:AlternateContent>
+  <p:timing>
+    <p:tnLst>
+      <p:par>
+        <p:cTn id="1" dur="indefinite" restart="never" nodeType="tmRoot"/>
+      </p:par>
+    </p:tnLst>
+  </p:timing>
+</p:sld>
+</file>
+
+<file path=ppt/slides/slide4.xml><?xml version="1.0" encoding="utf-8"?>
+<p:sld xmlns:a="http://schemas.openxmlformats.org/drawingml/2006/main" xmlns:r="http://schemas.openxmlformats.org/officeDocument/2006/relationships" xmlns:p="http://schemas.openxmlformats.org/presentationml/2006/main">
+  <p:cSld>
+    <p:spTree>
+      <p:nvGrpSpPr>
+        <p:cNvPr id="1" name=""/>
+        <p:cNvGrpSpPr/>
+        <p:nvPr/>
+      </p:nvGrpSpPr>
+      <p:grpSpPr>
+        <a:xfrm>
+          <a:off x="0" y="0"/>
+          <a:ext cx="0" cy="0"/>
+          <a:chOff x="0" y="0"/>
+          <a:chExt cx="0" cy="0"/>
+        </a:xfrm>
+      </p:grpSpPr>
+      <p:sp>
+        <p:nvSpPr>
+          <p:cNvPr id="2" name="Titre 1"/>
+          <p:cNvSpPr>
+            <a:spLocks noGrp="1"/>
+          </p:cNvSpPr>
+          <p:nvPr>
+            <p:ph type="title"/>
+          </p:nvPr>
+        </p:nvSpPr>
+        <p:spPr/>
+        <p:txBody>
+          <a:bodyPr/>
+          <a:lstStyle/>
+          <a:p>
+            <a:r>
+              <a:rPr lang="fr-FR" dirty="0" smtClean="0"/>
+              <a:t>Conception technique : Instructions</a:t>
+            </a:r>
+            <a:endParaRPr lang="fr-FR" dirty="0"/>
+          </a:p>
+        </p:txBody>
+      </p:sp>
+      <p:sp>
+        <p:nvSpPr>
+          <p:cNvPr id="4" name="Espace réservé du pied de page 3"/>
+          <p:cNvSpPr>
+            <a:spLocks noGrp="1"/>
+          </p:cNvSpPr>
+          <p:nvPr>
+            <p:ph type="ftr" sz="quarter" idx="11"/>
+          </p:nvPr>
+        </p:nvSpPr>
+        <p:spPr/>
+        <p:txBody>
+          <a:bodyPr/>
+          <a:lstStyle/>
+          <a:p>
+            <a:r>
+              <a:rPr lang="en-US" smtClean="0"/>
+              <a:t>DESPORTES Louis &amp; MONOT Vincent</a:t>
+            </a:r>
+            <a:endParaRPr lang="en-US" dirty="0"/>
+          </a:p>
+        </p:txBody>
+      </p:sp>
+      <p:sp>
+        <p:nvSpPr>
+          <p:cNvPr id="5" name="Espace réservé du numéro de diapositive 4"/>
+          <p:cNvSpPr>
+            <a:spLocks noGrp="1"/>
+          </p:cNvSpPr>
+          <p:nvPr>
+            <p:ph type="sldNum" sz="quarter" idx="12"/>
+          </p:nvPr>
+        </p:nvSpPr>
+        <p:spPr/>
+        <p:txBody>
+          <a:bodyPr/>
+          <a:lstStyle/>
+          <a:p>
+            <a:fld id="{E31375A4-56A4-47D6-9801-1991572033F7}" type="slidenum">
+              <a:rPr lang="en-US" smtClean="0"/>
+              <a:t>4</a:t>
+            </a:fld>
+            <a:endParaRPr lang="en-US"/>
+          </a:p>
+        </p:txBody>
+      </p:sp>
+      <p:sp>
+        <p:nvSpPr>
+          <p:cNvPr id="7" name="ZoneTexte 6"/>
+          <p:cNvSpPr txBox="1"/>
+          <p:nvPr/>
+        </p:nvSpPr>
+        <p:spPr>
+          <a:xfrm>
+            <a:off x="1028700" y="1240971"/>
+            <a:ext cx="4482194" cy="584775"/>
+          </a:xfrm>
+          <a:prstGeom prst="rect">
+            <a:avLst/>
+          </a:prstGeom>
+          <a:noFill/>
+        </p:spPr>
+        <p:txBody>
+          <a:bodyPr wrap="square" rtlCol="0">
+            <a:spAutoFit/>
+          </a:bodyPr>
+          <a:lstStyle/>
+          <a:p>
+            <a:r>
+              <a:rPr lang="fr-FR" sz="3200" dirty="0" smtClean="0"/>
+              <a:t>0001  0001  0110  </a:t>
+            </a:r>
+            <a:r>
+              <a:rPr lang="fr-FR" sz="3200" dirty="0" err="1" smtClean="0"/>
+              <a:t>xxxx</a:t>
+            </a:r>
+            <a:endParaRPr lang="fr-FR" sz="3200" dirty="0"/>
+          </a:p>
+        </p:txBody>
+      </p:sp>
+      <p:sp>
+        <p:nvSpPr>
+          <p:cNvPr id="8" name="Accolade ouvrante 7"/>
+          <p:cNvSpPr/>
+          <p:nvPr/>
+        </p:nvSpPr>
+        <p:spPr>
+          <a:xfrm rot="16200000">
+            <a:off x="1513309" y="1488095"/>
+            <a:ext cx="132962" cy="808265"/>
+          </a:xfrm>
+          <a:prstGeom prst="leftBrace">
+            <a:avLst>
+              <a:gd name="adj1" fmla="val 99597"/>
+              <a:gd name="adj2" fmla="val 50000"/>
+            </a:avLst>
+          </a:prstGeom>
+        </p:spPr>
+        <p:style>
+          <a:lnRef idx="1">
+            <a:schemeClr val="accent1"/>
+          </a:lnRef>
+          <a:fillRef idx="0">
+            <a:schemeClr val="accent1"/>
+          </a:fillRef>
+          <a:effectRef idx="0">
+            <a:schemeClr val="accent1"/>
+          </a:effectRef>
+          <a:fontRef idx="minor">
+            <a:schemeClr val="tx1"/>
+          </a:fontRef>
+        </p:style>
+        <p:txBody>
+          <a:bodyPr rtlCol="0" anchor="ctr"/>
+          <a:lstStyle/>
+          <a:p>
+            <a:pPr algn="ctr"/>
             <a:endParaRPr lang="fr-FR"/>
+          </a:p>
+        </p:txBody>
+      </p:sp>
+      <p:sp>
+        <p:nvSpPr>
+          <p:cNvPr id="9" name="Accolade ouvrante 8"/>
+          <p:cNvSpPr/>
+          <p:nvPr/>
+        </p:nvSpPr>
+        <p:spPr>
+          <a:xfrm rot="16200000">
+            <a:off x="2629097" y="1493536"/>
+            <a:ext cx="132962" cy="808265"/>
+          </a:xfrm>
+          <a:prstGeom prst="leftBrace">
+            <a:avLst>
+              <a:gd name="adj1" fmla="val 99597"/>
+              <a:gd name="adj2" fmla="val 50000"/>
+            </a:avLst>
+          </a:prstGeom>
+        </p:spPr>
+        <p:style>
+          <a:lnRef idx="1">
+            <a:schemeClr val="accent1"/>
+          </a:lnRef>
+          <a:fillRef idx="0">
+            <a:schemeClr val="accent1"/>
+          </a:fillRef>
+          <a:effectRef idx="0">
+            <a:schemeClr val="accent1"/>
+          </a:effectRef>
+          <a:fontRef idx="minor">
+            <a:schemeClr val="tx1"/>
+          </a:fontRef>
+        </p:style>
+        <p:txBody>
+          <a:bodyPr rtlCol="0" anchor="ctr"/>
+          <a:lstStyle/>
+          <a:p>
+            <a:pPr algn="ctr"/>
+            <a:endParaRPr lang="fr-FR"/>
+          </a:p>
+        </p:txBody>
+      </p:sp>
+      <p:sp>
+        <p:nvSpPr>
+          <p:cNvPr id="10" name="Accolade ouvrante 9"/>
+          <p:cNvSpPr/>
+          <p:nvPr/>
+        </p:nvSpPr>
+        <p:spPr>
+          <a:xfrm rot="16200000">
+            <a:off x="3716301" y="1497839"/>
+            <a:ext cx="132962" cy="808265"/>
+          </a:xfrm>
+          <a:prstGeom prst="leftBrace">
+            <a:avLst>
+              <a:gd name="adj1" fmla="val 99597"/>
+              <a:gd name="adj2" fmla="val 50000"/>
+            </a:avLst>
+          </a:prstGeom>
+        </p:spPr>
+        <p:style>
+          <a:lnRef idx="1">
+            <a:schemeClr val="accent1"/>
+          </a:lnRef>
+          <a:fillRef idx="0">
+            <a:schemeClr val="accent1"/>
+          </a:fillRef>
+          <a:effectRef idx="0">
+            <a:schemeClr val="accent1"/>
+          </a:effectRef>
+          <a:fontRef idx="minor">
+            <a:schemeClr val="tx1"/>
+          </a:fontRef>
+        </p:style>
+        <p:txBody>
+          <a:bodyPr rtlCol="0" anchor="ctr"/>
+          <a:lstStyle/>
+          <a:p>
+            <a:pPr algn="ctr"/>
+            <a:endParaRPr lang="fr-FR"/>
+          </a:p>
+        </p:txBody>
+      </p:sp>
+      <p:sp>
+        <p:nvSpPr>
+          <p:cNvPr id="11" name="Accolade ouvrante 10"/>
+          <p:cNvSpPr/>
+          <p:nvPr/>
+        </p:nvSpPr>
+        <p:spPr>
+          <a:xfrm rot="16200000">
+            <a:off x="4832089" y="1486206"/>
+            <a:ext cx="132962" cy="808265"/>
+          </a:xfrm>
+          <a:prstGeom prst="leftBrace">
+            <a:avLst>
+              <a:gd name="adj1" fmla="val 99597"/>
+              <a:gd name="adj2" fmla="val 50000"/>
+            </a:avLst>
+          </a:prstGeom>
+        </p:spPr>
+        <p:style>
+          <a:lnRef idx="1">
+            <a:schemeClr val="accent1"/>
+          </a:lnRef>
+          <a:fillRef idx="0">
+            <a:schemeClr val="accent1"/>
+          </a:fillRef>
+          <a:effectRef idx="0">
+            <a:schemeClr val="accent1"/>
+          </a:effectRef>
+          <a:fontRef idx="minor">
+            <a:schemeClr val="tx1"/>
+          </a:fontRef>
+        </p:style>
+        <p:txBody>
+          <a:bodyPr rtlCol="0" anchor="ctr"/>
+          <a:lstStyle/>
+          <a:p>
+            <a:pPr algn="ctr"/>
+            <a:endParaRPr lang="fr-FR"/>
+          </a:p>
+        </p:txBody>
+      </p:sp>
+      <p:sp>
+        <p:nvSpPr>
+          <p:cNvPr id="12" name="ZoneTexte 11"/>
+          <p:cNvSpPr txBox="1"/>
+          <p:nvPr/>
+        </p:nvSpPr>
+        <p:spPr>
+          <a:xfrm>
+            <a:off x="1112803" y="2023816"/>
+            <a:ext cx="947057" cy="369332"/>
+          </a:xfrm>
+          <a:prstGeom prst="rect">
+            <a:avLst/>
+          </a:prstGeom>
+          <a:noFill/>
+        </p:spPr>
+        <p:txBody>
+          <a:bodyPr wrap="square" rtlCol="0">
+            <a:spAutoFit/>
+          </a:bodyPr>
+          <a:lstStyle/>
+          <a:p>
+            <a:pPr algn="ctr"/>
+            <a:r>
+              <a:rPr lang="fr-FR" dirty="0" err="1" smtClean="0"/>
+              <a:t>CodOp</a:t>
+            </a:r>
+            <a:endParaRPr lang="fr-FR" dirty="0"/>
+          </a:p>
+        </p:txBody>
+      </p:sp>
+      <p:sp>
+        <p:nvSpPr>
+          <p:cNvPr id="13" name="ZoneTexte 12"/>
+          <p:cNvSpPr txBox="1"/>
+          <p:nvPr/>
+        </p:nvSpPr>
+        <p:spPr>
+          <a:xfrm>
+            <a:off x="2222049" y="2016486"/>
+            <a:ext cx="947057" cy="523220"/>
+          </a:xfrm>
+          <a:prstGeom prst="rect">
+            <a:avLst/>
+          </a:prstGeom>
+          <a:noFill/>
+        </p:spPr>
+        <p:txBody>
+          <a:bodyPr wrap="square" rtlCol="0">
+            <a:spAutoFit/>
+          </a:bodyPr>
+          <a:lstStyle/>
+          <a:p>
+            <a:pPr algn="ctr"/>
+            <a:r>
+              <a:rPr lang="fr-FR" sz="1400" dirty="0" smtClean="0"/>
+              <a:t>Registre d’écriture</a:t>
+            </a:r>
+            <a:endParaRPr lang="fr-FR" sz="1400" dirty="0"/>
+          </a:p>
+        </p:txBody>
+      </p:sp>
+      <p:sp>
+        <p:nvSpPr>
+          <p:cNvPr id="15" name="ZoneTexte 14"/>
+          <p:cNvSpPr txBox="1"/>
+          <p:nvPr/>
+        </p:nvSpPr>
+        <p:spPr>
+          <a:xfrm>
+            <a:off x="4380148" y="2023816"/>
+            <a:ext cx="1041763" cy="307777"/>
+          </a:xfrm>
+          <a:prstGeom prst="rect">
+            <a:avLst/>
+          </a:prstGeom>
+          <a:noFill/>
+        </p:spPr>
+        <p:txBody>
+          <a:bodyPr wrap="square" rtlCol="0">
+            <a:spAutoFit/>
+          </a:bodyPr>
+          <a:lstStyle/>
+          <a:p>
+            <a:pPr algn="ctr"/>
+            <a:r>
+              <a:rPr lang="fr-FR" sz="1400" dirty="0" smtClean="0"/>
+              <a:t>Non utilisé</a:t>
+            </a:r>
+            <a:endParaRPr lang="fr-FR" sz="1400" dirty="0"/>
+          </a:p>
+        </p:txBody>
+      </p:sp>
+      <p:sp>
+        <p:nvSpPr>
+          <p:cNvPr id="16" name="ZoneTexte 15"/>
+          <p:cNvSpPr txBox="1"/>
+          <p:nvPr/>
+        </p:nvSpPr>
+        <p:spPr>
+          <a:xfrm>
+            <a:off x="3264360" y="2016486"/>
+            <a:ext cx="1041763" cy="523220"/>
+          </a:xfrm>
+          <a:prstGeom prst="rect">
+            <a:avLst/>
+          </a:prstGeom>
+          <a:noFill/>
+        </p:spPr>
+        <p:txBody>
+          <a:bodyPr wrap="square" rtlCol="0">
+            <a:spAutoFit/>
+          </a:bodyPr>
+          <a:lstStyle/>
+          <a:p>
+            <a:pPr algn="ctr"/>
+            <a:r>
+              <a:rPr lang="fr-FR" sz="1400" dirty="0" smtClean="0"/>
+              <a:t>Registre d’entrée</a:t>
+            </a:r>
+            <a:endParaRPr lang="fr-FR" sz="1400" dirty="0"/>
+          </a:p>
+        </p:txBody>
+      </p:sp>
+      <p:sp>
+        <p:nvSpPr>
+          <p:cNvPr id="17" name="ZoneTexte 16"/>
+          <p:cNvSpPr txBox="1"/>
+          <p:nvPr/>
+        </p:nvSpPr>
+        <p:spPr>
+          <a:xfrm>
+            <a:off x="5755821" y="1274785"/>
+            <a:ext cx="4909490" cy="646331"/>
+          </a:xfrm>
+          <a:prstGeom prst="rect">
+            <a:avLst/>
+          </a:prstGeom>
+          <a:noFill/>
+        </p:spPr>
+        <p:txBody>
+          <a:bodyPr wrap="square" rtlCol="0">
+            <a:spAutoFit/>
+          </a:bodyPr>
+          <a:lstStyle/>
+          <a:p>
+            <a:r>
+              <a:rPr lang="fr-FR" dirty="0" smtClean="0"/>
+              <a:t>Ici, l’opération réalisée est : MV R</a:t>
+            </a:r>
+            <a:r>
+              <a:rPr lang="fr-FR" baseline="-25000" dirty="0" smtClean="0"/>
+              <a:t>1</a:t>
+            </a:r>
+            <a:r>
+              <a:rPr lang="fr-FR" dirty="0" smtClean="0"/>
+              <a:t>, R</a:t>
+            </a:r>
+            <a:r>
+              <a:rPr lang="fr-FR" baseline="-25000" dirty="0" smtClean="0"/>
+              <a:t>6</a:t>
+            </a:r>
+            <a:endParaRPr lang="fr-FR" dirty="0" smtClean="0"/>
+          </a:p>
+          <a:p>
+            <a:r>
+              <a:rPr lang="fr-FR" dirty="0" smtClean="0"/>
+              <a:t>R</a:t>
+            </a:r>
+            <a:r>
+              <a:rPr lang="fr-FR" baseline="-25000" dirty="0"/>
+              <a:t>1</a:t>
+            </a:r>
+            <a:r>
+              <a:rPr lang="fr-FR" dirty="0" smtClean="0"/>
+              <a:t> &lt;= R</a:t>
+            </a:r>
+            <a:r>
+              <a:rPr lang="fr-FR" baseline="-25000" dirty="0"/>
+              <a:t>6</a:t>
+            </a:r>
+            <a:endParaRPr lang="fr-FR" dirty="0"/>
+          </a:p>
+        </p:txBody>
+      </p:sp>
+      <p:sp>
+        <p:nvSpPr>
+          <p:cNvPr id="21" name="ZoneTexte 20"/>
+          <p:cNvSpPr txBox="1"/>
+          <p:nvPr/>
+        </p:nvSpPr>
+        <p:spPr>
+          <a:xfrm>
+            <a:off x="1023263" y="2742960"/>
+            <a:ext cx="4482194" cy="584775"/>
+          </a:xfrm>
+          <a:prstGeom prst="rect">
+            <a:avLst/>
+          </a:prstGeom>
+          <a:noFill/>
+        </p:spPr>
+        <p:txBody>
+          <a:bodyPr wrap="square" rtlCol="0">
+            <a:spAutoFit/>
+          </a:bodyPr>
+          <a:lstStyle/>
+          <a:p>
+            <a:r>
+              <a:rPr lang="fr-FR" sz="3200" dirty="0" smtClean="0"/>
+              <a:t>1000  0110  0001  1101</a:t>
+            </a:r>
+            <a:endParaRPr lang="fr-FR" sz="3200" dirty="0"/>
+          </a:p>
+        </p:txBody>
+      </p:sp>
+      <p:sp>
+        <p:nvSpPr>
+          <p:cNvPr id="22" name="Accolade ouvrante 21"/>
+          <p:cNvSpPr/>
+          <p:nvPr/>
+        </p:nvSpPr>
+        <p:spPr>
+          <a:xfrm rot="16200000">
+            <a:off x="1507872" y="2990084"/>
+            <a:ext cx="132962" cy="808265"/>
+          </a:xfrm>
+          <a:prstGeom prst="leftBrace">
+            <a:avLst>
+              <a:gd name="adj1" fmla="val 99597"/>
+              <a:gd name="adj2" fmla="val 50000"/>
+            </a:avLst>
+          </a:prstGeom>
+        </p:spPr>
+        <p:style>
+          <a:lnRef idx="1">
+            <a:schemeClr val="accent1"/>
+          </a:lnRef>
+          <a:fillRef idx="0">
+            <a:schemeClr val="accent1"/>
+          </a:fillRef>
+          <a:effectRef idx="0">
+            <a:schemeClr val="accent1"/>
+          </a:effectRef>
+          <a:fontRef idx="minor">
+            <a:schemeClr val="tx1"/>
+          </a:fontRef>
+        </p:style>
+        <p:txBody>
+          <a:bodyPr rtlCol="0" anchor="ctr"/>
+          <a:lstStyle/>
+          <a:p>
+            <a:pPr algn="ctr"/>
+            <a:endParaRPr lang="fr-FR"/>
+          </a:p>
+        </p:txBody>
+      </p:sp>
+      <p:sp>
+        <p:nvSpPr>
+          <p:cNvPr id="23" name="Accolade ouvrante 22"/>
+          <p:cNvSpPr/>
+          <p:nvPr/>
+        </p:nvSpPr>
+        <p:spPr>
+          <a:xfrm rot="16200000">
+            <a:off x="2623660" y="2995525"/>
+            <a:ext cx="132962" cy="808265"/>
+          </a:xfrm>
+          <a:prstGeom prst="leftBrace">
+            <a:avLst>
+              <a:gd name="adj1" fmla="val 99597"/>
+              <a:gd name="adj2" fmla="val 50000"/>
+            </a:avLst>
+          </a:prstGeom>
+        </p:spPr>
+        <p:style>
+          <a:lnRef idx="1">
+            <a:schemeClr val="accent1"/>
+          </a:lnRef>
+          <a:fillRef idx="0">
+            <a:schemeClr val="accent1"/>
+          </a:fillRef>
+          <a:effectRef idx="0">
+            <a:schemeClr val="accent1"/>
+          </a:effectRef>
+          <a:fontRef idx="minor">
+            <a:schemeClr val="tx1"/>
+          </a:fontRef>
+        </p:style>
+        <p:txBody>
+          <a:bodyPr rtlCol="0" anchor="ctr"/>
+          <a:lstStyle/>
+          <a:p>
+            <a:pPr algn="ctr"/>
+            <a:endParaRPr lang="fr-FR"/>
+          </a:p>
+        </p:txBody>
+      </p:sp>
+      <p:sp>
+        <p:nvSpPr>
+          <p:cNvPr id="24" name="Accolade ouvrante 23"/>
+          <p:cNvSpPr/>
+          <p:nvPr/>
+        </p:nvSpPr>
+        <p:spPr>
+          <a:xfrm rot="16200000">
+            <a:off x="3710864" y="2999828"/>
+            <a:ext cx="132962" cy="808265"/>
+          </a:xfrm>
+          <a:prstGeom prst="leftBrace">
+            <a:avLst>
+              <a:gd name="adj1" fmla="val 99597"/>
+              <a:gd name="adj2" fmla="val 50000"/>
+            </a:avLst>
+          </a:prstGeom>
+        </p:spPr>
+        <p:style>
+          <a:lnRef idx="1">
+            <a:schemeClr val="accent1"/>
+          </a:lnRef>
+          <a:fillRef idx="0">
+            <a:schemeClr val="accent1"/>
+          </a:fillRef>
+          <a:effectRef idx="0">
+            <a:schemeClr val="accent1"/>
+          </a:effectRef>
+          <a:fontRef idx="minor">
+            <a:schemeClr val="tx1"/>
+          </a:fontRef>
+        </p:style>
+        <p:txBody>
+          <a:bodyPr rtlCol="0" anchor="ctr"/>
+          <a:lstStyle/>
+          <a:p>
+            <a:pPr algn="ctr"/>
+            <a:endParaRPr lang="fr-FR"/>
+          </a:p>
+        </p:txBody>
+      </p:sp>
+      <p:sp>
+        <p:nvSpPr>
+          <p:cNvPr id="25" name="Accolade ouvrante 24"/>
+          <p:cNvSpPr/>
+          <p:nvPr/>
+        </p:nvSpPr>
+        <p:spPr>
+          <a:xfrm rot="16200000">
+            <a:off x="4826652" y="2988195"/>
+            <a:ext cx="132962" cy="808265"/>
+          </a:xfrm>
+          <a:prstGeom prst="leftBrace">
+            <a:avLst>
+              <a:gd name="adj1" fmla="val 99597"/>
+              <a:gd name="adj2" fmla="val 50000"/>
+            </a:avLst>
+          </a:prstGeom>
+        </p:spPr>
+        <p:style>
+          <a:lnRef idx="1">
+            <a:schemeClr val="accent1"/>
+          </a:lnRef>
+          <a:fillRef idx="0">
+            <a:schemeClr val="accent1"/>
+          </a:fillRef>
+          <a:effectRef idx="0">
+            <a:schemeClr val="accent1"/>
+          </a:effectRef>
+          <a:fontRef idx="minor">
+            <a:schemeClr val="tx1"/>
+          </a:fontRef>
+        </p:style>
+        <p:txBody>
+          <a:bodyPr rtlCol="0" anchor="ctr"/>
+          <a:lstStyle/>
+          <a:p>
+            <a:pPr algn="ctr"/>
+            <a:endParaRPr lang="fr-FR"/>
+          </a:p>
+        </p:txBody>
+      </p:sp>
+      <p:sp>
+        <p:nvSpPr>
+          <p:cNvPr id="26" name="ZoneTexte 25"/>
+          <p:cNvSpPr txBox="1"/>
+          <p:nvPr/>
+        </p:nvSpPr>
+        <p:spPr>
+          <a:xfrm>
+            <a:off x="1107366" y="3525805"/>
+            <a:ext cx="947057" cy="369332"/>
+          </a:xfrm>
+          <a:prstGeom prst="rect">
+            <a:avLst/>
+          </a:prstGeom>
+          <a:noFill/>
+        </p:spPr>
+        <p:txBody>
+          <a:bodyPr wrap="square" rtlCol="0">
+            <a:spAutoFit/>
+          </a:bodyPr>
+          <a:lstStyle/>
+          <a:p>
+            <a:pPr algn="ctr"/>
+            <a:r>
+              <a:rPr lang="fr-FR" dirty="0" err="1" smtClean="0"/>
+              <a:t>CodOp</a:t>
+            </a:r>
+            <a:endParaRPr lang="fr-FR" dirty="0"/>
+          </a:p>
+        </p:txBody>
+      </p:sp>
+      <p:sp>
+        <p:nvSpPr>
+          <p:cNvPr id="27" name="ZoneTexte 26"/>
+          <p:cNvSpPr txBox="1"/>
+          <p:nvPr/>
+        </p:nvSpPr>
+        <p:spPr>
+          <a:xfrm>
+            <a:off x="2216612" y="3518475"/>
+            <a:ext cx="947057" cy="523220"/>
+          </a:xfrm>
+          <a:prstGeom prst="rect">
+            <a:avLst/>
+          </a:prstGeom>
+          <a:noFill/>
+        </p:spPr>
+        <p:txBody>
+          <a:bodyPr wrap="square" rtlCol="0">
+            <a:spAutoFit/>
+          </a:bodyPr>
+          <a:lstStyle/>
+          <a:p>
+            <a:pPr algn="ctr"/>
+            <a:r>
+              <a:rPr lang="fr-FR" sz="1400" dirty="0" smtClean="0"/>
+              <a:t>Registre de sortie</a:t>
+            </a:r>
+            <a:endParaRPr lang="fr-FR" sz="1400" dirty="0"/>
+          </a:p>
+        </p:txBody>
+      </p:sp>
+      <p:sp>
+        <p:nvSpPr>
+          <p:cNvPr id="28" name="ZoneTexte 27"/>
+          <p:cNvSpPr txBox="1"/>
+          <p:nvPr/>
+        </p:nvSpPr>
+        <p:spPr>
+          <a:xfrm>
+            <a:off x="4374711" y="3525805"/>
+            <a:ext cx="1041763" cy="738664"/>
+          </a:xfrm>
+          <a:prstGeom prst="rect">
+            <a:avLst/>
+          </a:prstGeom>
+          <a:noFill/>
+        </p:spPr>
+        <p:txBody>
+          <a:bodyPr wrap="square" rtlCol="0">
+            <a:spAutoFit/>
+          </a:bodyPr>
+          <a:lstStyle/>
+          <a:p>
+            <a:pPr algn="ctr"/>
+            <a:r>
+              <a:rPr lang="fr-FR" sz="1400" dirty="0" smtClean="0"/>
+              <a:t>Registre d’entrée Y</a:t>
+            </a:r>
+            <a:endParaRPr lang="fr-FR" sz="1400" dirty="0"/>
+          </a:p>
+        </p:txBody>
+      </p:sp>
+      <p:sp>
+        <p:nvSpPr>
+          <p:cNvPr id="29" name="ZoneTexte 28"/>
+          <p:cNvSpPr txBox="1"/>
+          <p:nvPr/>
+        </p:nvSpPr>
+        <p:spPr>
+          <a:xfrm>
+            <a:off x="3258923" y="3518475"/>
+            <a:ext cx="1041763" cy="523220"/>
+          </a:xfrm>
+          <a:prstGeom prst="rect">
+            <a:avLst/>
+          </a:prstGeom>
+          <a:noFill/>
+        </p:spPr>
+        <p:txBody>
+          <a:bodyPr wrap="square" rtlCol="0">
+            <a:spAutoFit/>
+          </a:bodyPr>
+          <a:lstStyle/>
+          <a:p>
+            <a:pPr algn="ctr"/>
+            <a:r>
+              <a:rPr lang="fr-FR" sz="1400" dirty="0" smtClean="0"/>
+              <a:t>Registre d’entrée X</a:t>
+            </a:r>
+            <a:endParaRPr lang="fr-FR" sz="1400" dirty="0"/>
+          </a:p>
+        </p:txBody>
+      </p:sp>
+      <p:sp>
+        <p:nvSpPr>
+          <p:cNvPr id="30" name="ZoneTexte 29"/>
+          <p:cNvSpPr txBox="1"/>
+          <p:nvPr/>
+        </p:nvSpPr>
+        <p:spPr>
+          <a:xfrm>
+            <a:off x="5750384" y="2776774"/>
+            <a:ext cx="4909490" cy="646331"/>
+          </a:xfrm>
+          <a:prstGeom prst="rect">
+            <a:avLst/>
+          </a:prstGeom>
+          <a:noFill/>
+        </p:spPr>
+        <p:txBody>
+          <a:bodyPr wrap="square" rtlCol="0">
+            <a:spAutoFit/>
+          </a:bodyPr>
+          <a:lstStyle/>
+          <a:p>
+            <a:r>
+              <a:rPr lang="fr-FR" dirty="0" smtClean="0"/>
+              <a:t>Ici, l’opération réalisée est : ADD R</a:t>
+            </a:r>
+            <a:r>
+              <a:rPr lang="fr-FR" baseline="-25000" dirty="0" smtClean="0"/>
+              <a:t>6</a:t>
+            </a:r>
+            <a:r>
+              <a:rPr lang="fr-FR" dirty="0" smtClean="0"/>
+              <a:t>, R</a:t>
+            </a:r>
+            <a:r>
+              <a:rPr lang="fr-FR" baseline="-25000" dirty="0" smtClean="0"/>
+              <a:t>1</a:t>
+            </a:r>
+            <a:r>
+              <a:rPr lang="fr-FR" dirty="0" smtClean="0"/>
+              <a:t>, R</a:t>
+            </a:r>
+            <a:r>
+              <a:rPr lang="fr-FR" baseline="-25000" dirty="0" smtClean="0"/>
+              <a:t>13</a:t>
+            </a:r>
+            <a:endParaRPr lang="fr-FR" dirty="0" smtClean="0"/>
+          </a:p>
+          <a:p>
+            <a:r>
+              <a:rPr lang="fr-FR" dirty="0" smtClean="0"/>
+              <a:t>R</a:t>
+            </a:r>
+            <a:r>
+              <a:rPr lang="fr-FR" baseline="-25000" dirty="0" smtClean="0"/>
+              <a:t>6</a:t>
+            </a:r>
+            <a:r>
+              <a:rPr lang="fr-FR" dirty="0" smtClean="0"/>
+              <a:t> &lt;= R</a:t>
+            </a:r>
+            <a:r>
+              <a:rPr lang="fr-FR" baseline="-25000" dirty="0" smtClean="0"/>
+              <a:t>1</a:t>
+            </a:r>
+            <a:r>
+              <a:rPr lang="fr-FR" dirty="0" smtClean="0"/>
+              <a:t> + R</a:t>
+            </a:r>
+            <a:r>
+              <a:rPr lang="fr-FR" baseline="-25000" dirty="0" smtClean="0"/>
+              <a:t>13</a:t>
+            </a:r>
+            <a:endParaRPr lang="fr-FR" dirty="0"/>
+          </a:p>
+        </p:txBody>
+      </p:sp>
+      <p:sp>
+        <p:nvSpPr>
+          <p:cNvPr id="31" name="ZoneTexte 30"/>
+          <p:cNvSpPr txBox="1"/>
+          <p:nvPr/>
+        </p:nvSpPr>
+        <p:spPr>
+          <a:xfrm>
+            <a:off x="1017826" y="4462539"/>
+            <a:ext cx="4482194" cy="584775"/>
+          </a:xfrm>
+          <a:prstGeom prst="rect">
+            <a:avLst/>
+          </a:prstGeom>
+          <a:noFill/>
+        </p:spPr>
+        <p:txBody>
+          <a:bodyPr wrap="square" rtlCol="0">
+            <a:spAutoFit/>
+          </a:bodyPr>
+          <a:lstStyle/>
+          <a:p>
+            <a:r>
+              <a:rPr lang="fr-FR" sz="1200" dirty="0" smtClean="0"/>
+              <a:t> </a:t>
+            </a:r>
+            <a:r>
+              <a:rPr lang="fr-FR" sz="3200" dirty="0" smtClean="0"/>
+              <a:t>1111  </a:t>
+            </a:r>
+            <a:r>
+              <a:rPr lang="fr-FR" sz="1100" dirty="0" smtClean="0"/>
+              <a:t> </a:t>
+            </a:r>
+            <a:r>
+              <a:rPr lang="fr-FR" sz="3200" dirty="0" smtClean="0"/>
+              <a:t>1010  0000  0100</a:t>
+            </a:r>
+            <a:endParaRPr lang="fr-FR" sz="3200" dirty="0"/>
+          </a:p>
+        </p:txBody>
+      </p:sp>
+      <p:sp>
+        <p:nvSpPr>
+          <p:cNvPr id="32" name="Accolade ouvrante 31"/>
+          <p:cNvSpPr/>
+          <p:nvPr/>
+        </p:nvSpPr>
+        <p:spPr>
+          <a:xfrm rot="16200000">
+            <a:off x="1502435" y="4709663"/>
+            <a:ext cx="132962" cy="808265"/>
+          </a:xfrm>
+          <a:prstGeom prst="leftBrace">
+            <a:avLst>
+              <a:gd name="adj1" fmla="val 99597"/>
+              <a:gd name="adj2" fmla="val 50000"/>
+            </a:avLst>
+          </a:prstGeom>
+        </p:spPr>
+        <p:style>
+          <a:lnRef idx="1">
+            <a:schemeClr val="accent1"/>
+          </a:lnRef>
+          <a:fillRef idx="0">
+            <a:schemeClr val="accent1"/>
+          </a:fillRef>
+          <a:effectRef idx="0">
+            <a:schemeClr val="accent1"/>
+          </a:effectRef>
+          <a:fontRef idx="minor">
+            <a:schemeClr val="tx1"/>
+          </a:fontRef>
+        </p:style>
+        <p:txBody>
+          <a:bodyPr rtlCol="0" anchor="ctr"/>
+          <a:lstStyle/>
+          <a:p>
+            <a:pPr algn="ctr"/>
+            <a:endParaRPr lang="fr-FR"/>
+          </a:p>
+        </p:txBody>
+      </p:sp>
+      <p:sp>
+        <p:nvSpPr>
+          <p:cNvPr id="33" name="Accolade ouvrante 32"/>
+          <p:cNvSpPr/>
+          <p:nvPr/>
+        </p:nvSpPr>
+        <p:spPr>
+          <a:xfrm rot="16200000">
+            <a:off x="2618223" y="4715104"/>
+            <a:ext cx="132962" cy="808265"/>
+          </a:xfrm>
+          <a:prstGeom prst="leftBrace">
+            <a:avLst>
+              <a:gd name="adj1" fmla="val 99597"/>
+              <a:gd name="adj2" fmla="val 50000"/>
+            </a:avLst>
+          </a:prstGeom>
+        </p:spPr>
+        <p:style>
+          <a:lnRef idx="1">
+            <a:schemeClr val="accent1"/>
+          </a:lnRef>
+          <a:fillRef idx="0">
+            <a:schemeClr val="accent1"/>
+          </a:fillRef>
+          <a:effectRef idx="0">
+            <a:schemeClr val="accent1"/>
+          </a:effectRef>
+          <a:fontRef idx="minor">
+            <a:schemeClr val="tx1"/>
+          </a:fontRef>
+        </p:style>
+        <p:txBody>
+          <a:bodyPr rtlCol="0" anchor="ctr"/>
+          <a:lstStyle/>
+          <a:p>
+            <a:pPr algn="ctr"/>
+            <a:endParaRPr lang="fr-FR"/>
+          </a:p>
+        </p:txBody>
+      </p:sp>
+      <p:sp>
+        <p:nvSpPr>
+          <p:cNvPr id="34" name="Accolade ouvrante 33"/>
+          <p:cNvSpPr/>
+          <p:nvPr/>
+        </p:nvSpPr>
+        <p:spPr>
+          <a:xfrm rot="16200000">
+            <a:off x="3705427" y="4719407"/>
+            <a:ext cx="132962" cy="808265"/>
+          </a:xfrm>
+          <a:prstGeom prst="leftBrace">
+            <a:avLst>
+              <a:gd name="adj1" fmla="val 99597"/>
+              <a:gd name="adj2" fmla="val 50000"/>
+            </a:avLst>
+          </a:prstGeom>
+        </p:spPr>
+        <p:style>
+          <a:lnRef idx="1">
+            <a:schemeClr val="accent1"/>
+          </a:lnRef>
+          <a:fillRef idx="0">
+            <a:schemeClr val="accent1"/>
+          </a:fillRef>
+          <a:effectRef idx="0">
+            <a:schemeClr val="accent1"/>
+          </a:effectRef>
+          <a:fontRef idx="minor">
+            <a:schemeClr val="tx1"/>
+          </a:fontRef>
+        </p:style>
+        <p:txBody>
+          <a:bodyPr rtlCol="0" anchor="ctr"/>
+          <a:lstStyle/>
+          <a:p>
+            <a:pPr algn="ctr"/>
+            <a:endParaRPr lang="fr-FR"/>
+          </a:p>
+        </p:txBody>
+      </p:sp>
+      <p:sp>
+        <p:nvSpPr>
+          <p:cNvPr id="35" name="Accolade ouvrante 34"/>
+          <p:cNvSpPr/>
+          <p:nvPr/>
+        </p:nvSpPr>
+        <p:spPr>
+          <a:xfrm rot="16200000">
+            <a:off x="4821215" y="4707774"/>
+            <a:ext cx="132962" cy="808265"/>
+          </a:xfrm>
+          <a:prstGeom prst="leftBrace">
+            <a:avLst>
+              <a:gd name="adj1" fmla="val 99597"/>
+              <a:gd name="adj2" fmla="val 50000"/>
+            </a:avLst>
+          </a:prstGeom>
+        </p:spPr>
+        <p:style>
+          <a:lnRef idx="1">
+            <a:schemeClr val="accent1"/>
+          </a:lnRef>
+          <a:fillRef idx="0">
+            <a:schemeClr val="accent1"/>
+          </a:fillRef>
+          <a:effectRef idx="0">
+            <a:schemeClr val="accent1"/>
+          </a:effectRef>
+          <a:fontRef idx="minor">
+            <a:schemeClr val="tx1"/>
+          </a:fontRef>
+        </p:style>
+        <p:txBody>
+          <a:bodyPr rtlCol="0" anchor="ctr"/>
+          <a:lstStyle/>
+          <a:p>
+            <a:pPr algn="ctr"/>
+            <a:endParaRPr lang="fr-FR"/>
+          </a:p>
+        </p:txBody>
+      </p:sp>
+      <p:sp>
+        <p:nvSpPr>
+          <p:cNvPr id="36" name="ZoneTexte 35"/>
+          <p:cNvSpPr txBox="1"/>
+          <p:nvPr/>
+        </p:nvSpPr>
+        <p:spPr>
+          <a:xfrm>
+            <a:off x="1101929" y="5245384"/>
+            <a:ext cx="947057" cy="369332"/>
+          </a:xfrm>
+          <a:prstGeom prst="rect">
+            <a:avLst/>
+          </a:prstGeom>
+          <a:noFill/>
+        </p:spPr>
+        <p:txBody>
+          <a:bodyPr wrap="square" rtlCol="0">
+            <a:spAutoFit/>
+          </a:bodyPr>
+          <a:lstStyle/>
+          <a:p>
+            <a:pPr algn="ctr"/>
+            <a:r>
+              <a:rPr lang="fr-FR" dirty="0" err="1" smtClean="0"/>
+              <a:t>CodOp</a:t>
+            </a:r>
+            <a:endParaRPr lang="fr-FR" dirty="0"/>
+          </a:p>
+        </p:txBody>
+      </p:sp>
+      <p:sp>
+        <p:nvSpPr>
+          <p:cNvPr id="37" name="ZoneTexte 36"/>
+          <p:cNvSpPr txBox="1"/>
+          <p:nvPr/>
+        </p:nvSpPr>
+        <p:spPr>
+          <a:xfrm>
+            <a:off x="2211175" y="5238054"/>
+            <a:ext cx="947057" cy="523220"/>
+          </a:xfrm>
+          <a:prstGeom prst="rect">
+            <a:avLst/>
+          </a:prstGeom>
+          <a:noFill/>
+        </p:spPr>
+        <p:txBody>
+          <a:bodyPr wrap="square" rtlCol="0">
+            <a:spAutoFit/>
+          </a:bodyPr>
+          <a:lstStyle/>
+          <a:p>
+            <a:pPr algn="ctr"/>
+            <a:r>
+              <a:rPr lang="fr-FR" sz="1400" dirty="0" smtClean="0"/>
+              <a:t>Registre de sortie</a:t>
+            </a:r>
+            <a:endParaRPr lang="fr-FR" sz="1400" dirty="0"/>
+          </a:p>
+        </p:txBody>
+      </p:sp>
+      <p:sp>
+        <p:nvSpPr>
+          <p:cNvPr id="38" name="ZoneTexte 37"/>
+          <p:cNvSpPr txBox="1"/>
+          <p:nvPr/>
+        </p:nvSpPr>
+        <p:spPr>
+          <a:xfrm>
+            <a:off x="4369274" y="5245384"/>
+            <a:ext cx="1041763" cy="738664"/>
+          </a:xfrm>
+          <a:prstGeom prst="rect">
+            <a:avLst/>
+          </a:prstGeom>
+          <a:noFill/>
+        </p:spPr>
+        <p:txBody>
+          <a:bodyPr wrap="square" rtlCol="0">
+            <a:spAutoFit/>
+          </a:bodyPr>
+          <a:lstStyle/>
+          <a:p>
+            <a:pPr algn="ctr"/>
+            <a:r>
+              <a:rPr lang="fr-FR" sz="1400" dirty="0" smtClean="0"/>
+              <a:t>Registre d’entrée Y</a:t>
+            </a:r>
+            <a:endParaRPr lang="fr-FR" sz="1400" dirty="0"/>
+          </a:p>
+        </p:txBody>
+      </p:sp>
+      <p:sp>
+        <p:nvSpPr>
+          <p:cNvPr id="39" name="ZoneTexte 38"/>
+          <p:cNvSpPr txBox="1"/>
+          <p:nvPr/>
+        </p:nvSpPr>
+        <p:spPr>
+          <a:xfrm>
+            <a:off x="3253486" y="5238054"/>
+            <a:ext cx="1041763" cy="523220"/>
+          </a:xfrm>
+          <a:prstGeom prst="rect">
+            <a:avLst/>
+          </a:prstGeom>
+          <a:noFill/>
+        </p:spPr>
+        <p:txBody>
+          <a:bodyPr wrap="square" rtlCol="0">
+            <a:spAutoFit/>
+          </a:bodyPr>
+          <a:lstStyle/>
+          <a:p>
+            <a:pPr algn="ctr"/>
+            <a:r>
+              <a:rPr lang="fr-FR" sz="1400" dirty="0" smtClean="0"/>
+              <a:t>Registre d’entrée X</a:t>
+            </a:r>
+            <a:endParaRPr lang="fr-FR" sz="1400" dirty="0"/>
+          </a:p>
+        </p:txBody>
+      </p:sp>
+      <p:sp>
+        <p:nvSpPr>
+          <p:cNvPr id="40" name="ZoneTexte 39"/>
+          <p:cNvSpPr txBox="1"/>
+          <p:nvPr/>
+        </p:nvSpPr>
+        <p:spPr>
+          <a:xfrm>
+            <a:off x="5744947" y="4496353"/>
+            <a:ext cx="4909490" cy="646331"/>
+          </a:xfrm>
+          <a:prstGeom prst="rect">
+            <a:avLst/>
+          </a:prstGeom>
+          <a:noFill/>
+        </p:spPr>
+        <p:txBody>
+          <a:bodyPr wrap="square" rtlCol="0">
+            <a:spAutoFit/>
+          </a:bodyPr>
+          <a:lstStyle/>
+          <a:p>
+            <a:r>
+              <a:rPr lang="fr-FR" dirty="0" smtClean="0"/>
+              <a:t>Ici, l’opération réalisée est : XOR R</a:t>
+            </a:r>
+            <a:r>
+              <a:rPr lang="fr-FR" baseline="-25000" dirty="0" smtClean="0"/>
+              <a:t>10</a:t>
+            </a:r>
+            <a:r>
+              <a:rPr lang="fr-FR" dirty="0" smtClean="0"/>
+              <a:t>, R</a:t>
+            </a:r>
+            <a:r>
+              <a:rPr lang="fr-FR" baseline="-25000" dirty="0"/>
+              <a:t>0</a:t>
+            </a:r>
+            <a:r>
+              <a:rPr lang="fr-FR" dirty="0" smtClean="0"/>
+              <a:t>, R</a:t>
+            </a:r>
+            <a:r>
+              <a:rPr lang="fr-FR" baseline="-25000" dirty="0"/>
+              <a:t>4</a:t>
+            </a:r>
+            <a:endParaRPr lang="fr-FR" dirty="0" smtClean="0"/>
+          </a:p>
+          <a:p>
+            <a:r>
+              <a:rPr lang="fr-FR" dirty="0" smtClean="0"/>
+              <a:t>R</a:t>
+            </a:r>
+            <a:r>
+              <a:rPr lang="fr-FR" baseline="-25000" dirty="0" smtClean="0"/>
+              <a:t>10</a:t>
+            </a:r>
+            <a:r>
+              <a:rPr lang="fr-FR" dirty="0" smtClean="0"/>
+              <a:t> &lt;= R</a:t>
+            </a:r>
+            <a:r>
+              <a:rPr lang="fr-FR" baseline="-25000" dirty="0"/>
+              <a:t>0</a:t>
+            </a:r>
+            <a:r>
+              <a:rPr lang="fr-FR" dirty="0" smtClean="0"/>
+              <a:t> </a:t>
+            </a:r>
+            <a:r>
+              <a:rPr lang="fr-FR" dirty="0" err="1" smtClean="0"/>
+              <a:t>xor</a:t>
+            </a:r>
+            <a:r>
+              <a:rPr lang="fr-FR" dirty="0" smtClean="0"/>
+              <a:t> R</a:t>
+            </a:r>
+            <a:r>
+              <a:rPr lang="fr-FR" baseline="-25000" dirty="0"/>
+              <a:t>4</a:t>
+            </a:r>
+            <a:endParaRPr lang="fr-FR" dirty="0"/>
+          </a:p>
+        </p:txBody>
+      </p:sp>
+    </p:spTree>
+    <p:extLst>
+      <p:ext uri="{BB962C8B-B14F-4D97-AF65-F5344CB8AC3E}">
+        <p14:creationId xmlns:p14="http://schemas.microsoft.com/office/powerpoint/2010/main" val="123985492"/>
+      </p:ext>
+    </p:extLst>
+  </p:cSld>
+  <p:clrMapOvr>
+    <a:masterClrMapping/>
+  </p:clrMapOvr>
+  <mc:AlternateContent xmlns:mc="http://schemas.openxmlformats.org/markup-compatibility/2006">
+    <mc:Choice xmlns:p14="http://schemas.microsoft.com/office/powerpoint/2010/main" Requires="p14">
+      <p:transition p14:dur="0"/>
+    </mc:Choice>
+    <mc:Fallback>
+      <p:transition/>
+    </mc:Fallback>
+  </mc:AlternateContent>
+  <p:timing>
+    <p:tnLst>
+      <p:par>
+        <p:cTn id="1" dur="indefinite" restart="never" nodeType="tmRoot"/>
+      </p:par>
+    </p:tnLst>
+  </p:timing>
+</p:sld>
+</file>
+
+<file path=ppt/slides/slide5.xml><?xml version="1.0" encoding="utf-8"?>
+<p:sld xmlns:a="http://schemas.openxmlformats.org/drawingml/2006/main" xmlns:r="http://schemas.openxmlformats.org/officeDocument/2006/relationships" xmlns:p="http://schemas.openxmlformats.org/presentationml/2006/main">
+  <p:cSld>
+    <p:spTree>
+      <p:nvGrpSpPr>
+        <p:cNvPr id="1" name=""/>
+        <p:cNvGrpSpPr/>
+        <p:nvPr/>
+      </p:nvGrpSpPr>
+      <p:grpSpPr>
+        <a:xfrm>
+          <a:off x="0" y="0"/>
+          <a:ext cx="0" cy="0"/>
+          <a:chOff x="0" y="0"/>
+          <a:chExt cx="0" cy="0"/>
+        </a:xfrm>
+      </p:grpSpPr>
+      <p:sp>
+        <p:nvSpPr>
+          <p:cNvPr id="2" name="Titre 1"/>
+          <p:cNvSpPr>
+            <a:spLocks noGrp="1"/>
+          </p:cNvSpPr>
+          <p:nvPr>
+            <p:ph type="title"/>
+          </p:nvPr>
+        </p:nvSpPr>
+        <p:spPr/>
+        <p:txBody>
+          <a:bodyPr/>
+          <a:lstStyle/>
+          <a:p>
+            <a:r>
+              <a:rPr lang="fr-FR" dirty="0" smtClean="0"/>
+              <a:t>Conclusion</a:t>
+            </a:r>
+            <a:endParaRPr lang="fr-FR" dirty="0"/>
           </a:p>
         </p:txBody>
       </p:sp>
@@ -21051,7 +23100,7 @@
           <a:p>
             <a:fld id="{E31375A4-56A4-47D6-9801-1991572033F7}" type="slidenum">
               <a:rPr lang="en-US" smtClean="0"/>
-              <a:t>2</a:t>
+              <a:t>5</a:t>
             </a:fld>
             <a:endParaRPr lang="en-US"/>
           </a:p>
@@ -21060,23 +23109,19 @@
     </p:spTree>
     <p:extLst>
       <p:ext uri="{BB962C8B-B14F-4D97-AF65-F5344CB8AC3E}">
-        <p14:creationId xmlns:p14="http://schemas.microsoft.com/office/powerpoint/2010/main" val="206408408"/>
+        <p14:creationId xmlns:p14="http://schemas.microsoft.com/office/powerpoint/2010/main" val="2080102630"/>
       </p:ext>
     </p:extLst>
   </p:cSld>
   <p:clrMapOvr>
     <a:masterClrMapping/>
   </p:clrMapOvr>
-  <mc:AlternateContent xmlns:mc="http://schemas.openxmlformats.org/markup-compatibility/2006" xmlns:p14="http://schemas.microsoft.com/office/powerpoint/2010/main">
-    <mc:Choice Requires="p14">
-      <p:transition spd="med" p14:dur="700">
-        <p:fade/>
-      </p:transition>
+  <mc:AlternateContent xmlns:mc="http://schemas.openxmlformats.org/markup-compatibility/2006">
+    <mc:Choice xmlns:p14="http://schemas.microsoft.com/office/powerpoint/2010/main" Requires="p14">
+      <p:transition p14:dur="0"/>
     </mc:Choice>
-    <mc:Fallback xmlns="">
-      <p:transition spd="med">
-        <p:fade/>
-      </p:transition>
+    <mc:Fallback>
+      <p:transition/>
     </mc:Fallback>
   </mc:AlternateContent>
   <p:timing>
@@ -21089,7 +23134,7 @@
 </p:sld>
 </file>
 
-<file path=ppt/slides/slide3.xml><?xml version="1.0" encoding="utf-8"?>
+<file path=ppt/slides/slide6.xml><?xml version="1.0" encoding="utf-8"?>
 <p:sld xmlns:a="http://schemas.openxmlformats.org/drawingml/2006/main" xmlns:r="http://schemas.openxmlformats.org/officeDocument/2006/relationships" xmlns:p="http://schemas.openxmlformats.org/presentationml/2006/main">
   <p:cSld>
     <p:spTree>
@@ -21154,7 +23199,7 @@
               <a:buChar char="▪"/>
             </a:pPr>
             <a:r>
-              <a:rPr lang="fr-FR" dirty="0">
+              <a:rPr lang="fr-FR" dirty="0" smtClean="0">
                 <a:solidFill>
                   <a:srgbClr val="2D2E2D"/>
                 </a:solidFill>
@@ -21172,7 +23217,7 @@
               <a:buChar char="▪"/>
             </a:pPr>
             <a:r>
-              <a:rPr lang="fr-FR" dirty="0">
+              <a:rPr lang="fr-FR" dirty="0" smtClean="0">
                 <a:solidFill>
                   <a:srgbClr val="2D2E2D"/>
                 </a:solidFill>
@@ -21190,7 +23235,7 @@
               <a:buChar char="▪"/>
             </a:pPr>
             <a:r>
-              <a:rPr lang="fr-FR" dirty="0">
+              <a:rPr lang="fr-FR" dirty="0" smtClean="0">
                 <a:solidFill>
                   <a:srgbClr val="2D2E2D"/>
                 </a:solidFill>
@@ -21251,7 +23296,7 @@
           <a:p>
             <a:fld id="{E31375A4-56A4-47D6-9801-1991572033F7}" type="slidenum">
               <a:rPr lang="en-US" smtClean="0"/>
-              <a:t>3</a:t>
+              <a:t>6</a:t>
             </a:fld>
             <a:endParaRPr lang="en-US"/>
           </a:p>
@@ -21285,7 +23330,7 @@
 </p:sld>
 </file>
 
-<file path=ppt/slides/slide4.xml><?xml version="1.0" encoding="utf-8"?>
+<file path=ppt/slides/slide7.xml><?xml version="1.0" encoding="utf-8"?>
 <p:sld xmlns:a="http://schemas.openxmlformats.org/drawingml/2006/main" xmlns:r="http://schemas.openxmlformats.org/officeDocument/2006/relationships" xmlns:p="http://schemas.openxmlformats.org/presentationml/2006/main">
   <p:cSld>
     <p:spTree>
@@ -21396,7 +23441,7 @@
           <a:p>
             <a:fld id="{E31375A4-56A4-47D6-9801-1991572033F7}" type="slidenum">
               <a:rPr lang="en-US" smtClean="0"/>
-              <a:t>4</a:t>
+              <a:t>7</a:t>
             </a:fld>
             <a:endParaRPr lang="en-US"/>
           </a:p>
@@ -21430,7 +23475,7 @@
 </p:sld>
 </file>
 
-<file path=ppt/slides/slide5.xml><?xml version="1.0" encoding="utf-8"?>
+<file path=ppt/slides/slide8.xml><?xml version="1.0" encoding="utf-8"?>
 <p:sld xmlns:a="http://schemas.openxmlformats.org/drawingml/2006/main" xmlns:r="http://schemas.openxmlformats.org/officeDocument/2006/relationships" xmlns:p="http://schemas.openxmlformats.org/presentationml/2006/main">
   <p:cSld>
     <p:spTree>
@@ -21864,7 +23909,7 @@
           <a:p>
             <a:fld id="{E31375A4-56A4-47D6-9801-1991572033F7}" type="slidenum">
               <a:rPr lang="en-US" smtClean="0"/>
-              <a:t>5</a:t>
+              <a:t>8</a:t>
             </a:fld>
             <a:endParaRPr lang="en-US"/>
           </a:p>
@@ -21898,7 +23943,7 @@
 </p:sld>
 </file>
 
-<file path=ppt/slides/slide6.xml><?xml version="1.0" encoding="utf-8"?>
+<file path=ppt/slides/slide9.xml><?xml version="1.0" encoding="utf-8"?>
 <p:sld xmlns:a="http://schemas.openxmlformats.org/drawingml/2006/main" xmlns:r="http://schemas.openxmlformats.org/officeDocument/2006/relationships" xmlns:p="http://schemas.openxmlformats.org/presentationml/2006/main">
   <p:cSld>
     <p:spTree>
@@ -22010,7 +24055,7 @@
           <a:p>
             <a:fld id="{E31375A4-56A4-47D6-9801-1991572033F7}" type="slidenum">
               <a:rPr lang="en-US" smtClean="0"/>
-              <a:t>6</a:t>
+              <a:t>9</a:t>
             </a:fld>
             <a:endParaRPr lang="en-US"/>
           </a:p>
@@ -22020,395 +24065,6 @@
     <p:extLst>
       <p:ext uri="{BB962C8B-B14F-4D97-AF65-F5344CB8AC3E}">
         <p14:creationId xmlns:p14="http://schemas.microsoft.com/office/powerpoint/2010/main" val="2761515851"/>
-      </p:ext>
-    </p:extLst>
-  </p:cSld>
-  <p:clrMapOvr>
-    <a:masterClrMapping/>
-  </p:clrMapOvr>
-  <mc:AlternateContent xmlns:mc="http://schemas.openxmlformats.org/markup-compatibility/2006">
-    <mc:Choice xmlns:p14="http://schemas.microsoft.com/office/powerpoint/2010/main" Requires="p14">
-      <p:transition p14:dur="0"/>
-    </mc:Choice>
-    <mc:Fallback>
-      <p:transition/>
-    </mc:Fallback>
-  </mc:AlternateContent>
-  <p:timing>
-    <p:tnLst>
-      <p:par>
-        <p:cTn id="1" dur="indefinite" restart="never" nodeType="tmRoot"/>
-      </p:par>
-    </p:tnLst>
-  </p:timing>
-</p:sld>
-</file>
-
-<file path=ppt/slides/slide7.xml><?xml version="1.0" encoding="utf-8"?>
-<p:sld xmlns:a="http://schemas.openxmlformats.org/drawingml/2006/main" xmlns:r="http://schemas.openxmlformats.org/officeDocument/2006/relationships" xmlns:p="http://schemas.openxmlformats.org/presentationml/2006/main">
-  <p:cSld>
-    <p:spTree>
-      <p:nvGrpSpPr>
-        <p:cNvPr id="1" name=""/>
-        <p:cNvGrpSpPr/>
-        <p:nvPr/>
-      </p:nvGrpSpPr>
-      <p:grpSpPr>
-        <a:xfrm>
-          <a:off x="0" y="0"/>
-          <a:ext cx="0" cy="0"/>
-          <a:chOff x="0" y="0"/>
-          <a:chExt cx="0" cy="0"/>
-        </a:xfrm>
-      </p:grpSpPr>
-      <p:sp>
-        <p:nvSpPr>
-          <p:cNvPr id="2" name="Titre 1"/>
-          <p:cNvSpPr>
-            <a:spLocks noGrp="1"/>
-          </p:cNvSpPr>
-          <p:nvPr>
-            <p:ph type="title"/>
-          </p:nvPr>
-        </p:nvSpPr>
-        <p:spPr/>
-        <p:txBody>
-          <a:bodyPr/>
-          <a:lstStyle/>
-          <a:p>
-            <a:endParaRPr lang="en-US" dirty="0"/>
-          </a:p>
-        </p:txBody>
-      </p:sp>
-      <p:sp>
-        <p:nvSpPr>
-          <p:cNvPr id="3" name="Espace réservé du texte 2"/>
-          <p:cNvSpPr>
-            <a:spLocks noGrp="1"/>
-          </p:cNvSpPr>
-          <p:nvPr>
-            <p:ph type="body" idx="1"/>
-          </p:nvPr>
-        </p:nvSpPr>
-        <p:spPr/>
-        <p:txBody>
-          <a:bodyPr/>
-          <a:lstStyle/>
-          <a:p>
-            <a:endParaRPr lang="en-US"/>
-          </a:p>
-        </p:txBody>
-      </p:sp>
-    </p:spTree>
-    <p:extLst>
-      <p:ext uri="{BB962C8B-B14F-4D97-AF65-F5344CB8AC3E}">
-        <p14:creationId xmlns:p14="http://schemas.microsoft.com/office/powerpoint/2010/main" val="2362296366"/>
-      </p:ext>
-    </p:extLst>
-  </p:cSld>
-  <p:clrMapOvr>
-    <a:masterClrMapping/>
-  </p:clrMapOvr>
-  <mc:AlternateContent xmlns:mc="http://schemas.openxmlformats.org/markup-compatibility/2006">
-    <mc:Choice xmlns:p14="http://schemas.microsoft.com/office/powerpoint/2010/main" Requires="p14">
-      <p:transition p14:dur="0"/>
-    </mc:Choice>
-    <mc:Fallback>
-      <p:transition/>
-    </mc:Fallback>
-  </mc:AlternateContent>
-  <p:timing>
-    <p:tnLst>
-      <p:par>
-        <p:cTn id="1" dur="indefinite" restart="never" nodeType="tmRoot"/>
-      </p:par>
-    </p:tnLst>
-  </p:timing>
-</p:sld>
-</file>
-
-<file path=ppt/slides/slide8.xml><?xml version="1.0" encoding="utf-8"?>
-<p:sld xmlns:a="http://schemas.openxmlformats.org/drawingml/2006/main" xmlns:r="http://schemas.openxmlformats.org/officeDocument/2006/relationships" xmlns:p="http://schemas.openxmlformats.org/presentationml/2006/main">
-  <p:cSld>
-    <p:spTree>
-      <p:nvGrpSpPr>
-        <p:cNvPr id="1" name=""/>
-        <p:cNvGrpSpPr/>
-        <p:nvPr/>
-      </p:nvGrpSpPr>
-      <p:grpSpPr>
-        <a:xfrm>
-          <a:off x="0" y="0"/>
-          <a:ext cx="0" cy="0"/>
-          <a:chOff x="0" y="0"/>
-          <a:chExt cx="0" cy="0"/>
-        </a:xfrm>
-      </p:grpSpPr>
-      <p:sp>
-        <p:nvSpPr>
-          <p:cNvPr id="2" name="Titre 1"/>
-          <p:cNvSpPr>
-            <a:spLocks noGrp="1"/>
-          </p:cNvSpPr>
-          <p:nvPr>
-            <p:ph type="title"/>
-          </p:nvPr>
-        </p:nvSpPr>
-        <p:spPr/>
-        <p:txBody>
-          <a:bodyPr/>
-          <a:lstStyle/>
-          <a:p>
-            <a:endParaRPr lang="en-US"/>
-          </a:p>
-        </p:txBody>
-      </p:sp>
-      <p:sp>
-        <p:nvSpPr>
-          <p:cNvPr id="3" name="Espace réservé du texte 2"/>
-          <p:cNvSpPr>
-            <a:spLocks noGrp="1"/>
-          </p:cNvSpPr>
-          <p:nvPr>
-            <p:ph type="body" idx="1"/>
-          </p:nvPr>
-        </p:nvSpPr>
-        <p:spPr/>
-        <p:txBody>
-          <a:bodyPr/>
-          <a:lstStyle/>
-          <a:p>
-            <a:endParaRPr lang="en-US"/>
-          </a:p>
-        </p:txBody>
-      </p:sp>
-      <p:sp>
-        <p:nvSpPr>
-          <p:cNvPr id="4" name="Espace réservé de contenu 3"/>
-          <p:cNvSpPr>
-            <a:spLocks noGrp="1"/>
-          </p:cNvSpPr>
-          <p:nvPr>
-            <p:ph sz="half" idx="2"/>
-          </p:nvPr>
-        </p:nvSpPr>
-        <p:spPr/>
-        <p:txBody>
-          <a:bodyPr/>
-          <a:lstStyle/>
-          <a:p>
-            <a:endParaRPr lang="en-US"/>
-          </a:p>
-        </p:txBody>
-      </p:sp>
-      <p:sp>
-        <p:nvSpPr>
-          <p:cNvPr id="5" name="Espace réservé du texte 4"/>
-          <p:cNvSpPr>
-            <a:spLocks noGrp="1"/>
-          </p:cNvSpPr>
-          <p:nvPr>
-            <p:ph type="body" sz="quarter" idx="3"/>
-          </p:nvPr>
-        </p:nvSpPr>
-        <p:spPr/>
-        <p:txBody>
-          <a:bodyPr/>
-          <a:lstStyle/>
-          <a:p>
-            <a:endParaRPr lang="en-US"/>
-          </a:p>
-        </p:txBody>
-      </p:sp>
-      <p:sp>
-        <p:nvSpPr>
-          <p:cNvPr id="6" name="Espace réservé de contenu 5"/>
-          <p:cNvSpPr>
-            <a:spLocks noGrp="1"/>
-          </p:cNvSpPr>
-          <p:nvPr>
-            <p:ph sz="quarter" idx="4"/>
-          </p:nvPr>
-        </p:nvSpPr>
-        <p:spPr/>
-        <p:txBody>
-          <a:bodyPr/>
-          <a:lstStyle/>
-          <a:p>
-            <a:endParaRPr lang="en-US"/>
-          </a:p>
-        </p:txBody>
-      </p:sp>
-      <p:sp>
-        <p:nvSpPr>
-          <p:cNvPr id="7" name="Espace réservé du pied de page 6"/>
-          <p:cNvSpPr>
-            <a:spLocks noGrp="1"/>
-          </p:cNvSpPr>
-          <p:nvPr>
-            <p:ph type="ftr" sz="quarter" idx="11"/>
-          </p:nvPr>
-        </p:nvSpPr>
-        <p:spPr>
-          <a:xfrm>
-            <a:off x="609602" y="6289679"/>
-            <a:ext cx="6128031" cy="222436"/>
-          </a:xfrm>
-        </p:spPr>
-        <p:txBody>
-          <a:bodyPr/>
-          <a:lstStyle/>
-          <a:p>
-            <a:r>
-              <a:rPr lang="en-US" smtClean="0"/>
-              <a:t>DESPORTES Louis &amp; MONOT Vincent</a:t>
-            </a:r>
-            <a:endParaRPr lang="en-US"/>
-          </a:p>
-        </p:txBody>
-      </p:sp>
-      <p:sp>
-        <p:nvSpPr>
-          <p:cNvPr id="8" name="Espace réservé du numéro de diapositive 7"/>
-          <p:cNvSpPr>
-            <a:spLocks noGrp="1"/>
-          </p:cNvSpPr>
-          <p:nvPr>
-            <p:ph type="sldNum" sz="quarter" idx="12"/>
-          </p:nvPr>
-        </p:nvSpPr>
-        <p:spPr/>
-        <p:txBody>
-          <a:bodyPr/>
-          <a:lstStyle/>
-          <a:p>
-            <a:fld id="{E31375A4-56A4-47D6-9801-1991572033F7}" type="slidenum">
-              <a:rPr lang="en-US" smtClean="0"/>
-              <a:t>8</a:t>
-            </a:fld>
-            <a:endParaRPr lang="en-US"/>
-          </a:p>
-        </p:txBody>
-      </p:sp>
-    </p:spTree>
-    <p:extLst>
-      <p:ext uri="{BB962C8B-B14F-4D97-AF65-F5344CB8AC3E}">
-        <p14:creationId xmlns:p14="http://schemas.microsoft.com/office/powerpoint/2010/main" val="3229171051"/>
-      </p:ext>
-    </p:extLst>
-  </p:cSld>
-  <p:clrMapOvr>
-    <a:masterClrMapping/>
-  </p:clrMapOvr>
-  <mc:AlternateContent xmlns:mc="http://schemas.openxmlformats.org/markup-compatibility/2006">
-    <mc:Choice xmlns:p14="http://schemas.microsoft.com/office/powerpoint/2010/main" Requires="p14">
-      <p:transition p14:dur="0"/>
-    </mc:Choice>
-    <mc:Fallback>
-      <p:transition/>
-    </mc:Fallback>
-  </mc:AlternateContent>
-  <p:timing>
-    <p:tnLst>
-      <p:par>
-        <p:cTn id="1" dur="indefinite" restart="never" nodeType="tmRoot"/>
-      </p:par>
-    </p:tnLst>
-  </p:timing>
-</p:sld>
-</file>
-
-<file path=ppt/slides/slide9.xml><?xml version="1.0" encoding="utf-8"?>
-<p:sld xmlns:a="http://schemas.openxmlformats.org/drawingml/2006/main" xmlns:r="http://schemas.openxmlformats.org/officeDocument/2006/relationships" xmlns:p="http://schemas.openxmlformats.org/presentationml/2006/main">
-  <p:cSld>
-    <p:spTree>
-      <p:nvGrpSpPr>
-        <p:cNvPr id="1" name=""/>
-        <p:cNvGrpSpPr/>
-        <p:nvPr/>
-      </p:nvGrpSpPr>
-      <p:grpSpPr>
-        <a:xfrm>
-          <a:off x="0" y="0"/>
-          <a:ext cx="0" cy="0"/>
-          <a:chOff x="0" y="0"/>
-          <a:chExt cx="0" cy="0"/>
-        </a:xfrm>
-      </p:grpSpPr>
-      <p:sp>
-        <p:nvSpPr>
-          <p:cNvPr id="2" name="Titre 1"/>
-          <p:cNvSpPr>
-            <a:spLocks noGrp="1"/>
-          </p:cNvSpPr>
-          <p:nvPr>
-            <p:ph type="title"/>
-          </p:nvPr>
-        </p:nvSpPr>
-        <p:spPr/>
-        <p:txBody>
-          <a:bodyPr/>
-          <a:lstStyle/>
-          <a:p>
-            <a:endParaRPr lang="en-US"/>
-          </a:p>
-        </p:txBody>
-      </p:sp>
-      <p:sp>
-        <p:nvSpPr>
-          <p:cNvPr id="3" name="Espace réservé du pied de page 2"/>
-          <p:cNvSpPr>
-            <a:spLocks noGrp="1"/>
-          </p:cNvSpPr>
-          <p:nvPr>
-            <p:ph type="ftr" sz="quarter" idx="11"/>
-          </p:nvPr>
-        </p:nvSpPr>
-        <p:spPr>
-          <a:xfrm>
-            <a:off x="609602" y="6289679"/>
-            <a:ext cx="6128031" cy="222436"/>
-          </a:xfrm>
-        </p:spPr>
-        <p:txBody>
-          <a:bodyPr/>
-          <a:lstStyle/>
-          <a:p>
-            <a:r>
-              <a:rPr lang="en-US" smtClean="0"/>
-              <a:t>DESPORTES Louis &amp; MONOT Vincent</a:t>
-            </a:r>
-            <a:endParaRPr lang="en-US"/>
-          </a:p>
-        </p:txBody>
-      </p:sp>
-      <p:sp>
-        <p:nvSpPr>
-          <p:cNvPr id="4" name="Espace réservé du numéro de diapositive 3"/>
-          <p:cNvSpPr>
-            <a:spLocks noGrp="1"/>
-          </p:cNvSpPr>
-          <p:nvPr>
-            <p:ph type="sldNum" sz="quarter" idx="12"/>
-          </p:nvPr>
-        </p:nvSpPr>
-        <p:spPr/>
-        <p:txBody>
-          <a:bodyPr/>
-          <a:lstStyle/>
-          <a:p>
-            <a:fld id="{E31375A4-56A4-47D6-9801-1991572033F7}" type="slidenum">
-              <a:rPr lang="en-US" smtClean="0"/>
-              <a:t>9</a:t>
-            </a:fld>
-            <a:endParaRPr lang="en-US"/>
-          </a:p>
-        </p:txBody>
-      </p:sp>
-    </p:spTree>
-    <p:extLst>
-      <p:ext uri="{BB962C8B-B14F-4D97-AF65-F5344CB8AC3E}">
-        <p14:creationId xmlns:p14="http://schemas.microsoft.com/office/powerpoint/2010/main" val="452733939"/>
       </p:ext>
     </p:extLst>
   </p:cSld>
